--- a/doucument/QG答辩.pptx
+++ b/doucument/QG答辩.pptx
@@ -16,9 +16,9 @@
     <p:sldId id="329" r:id="rId7"/>
     <p:sldId id="324" r:id="rId8"/>
     <p:sldId id="330" r:id="rId9"/>
-    <p:sldId id="331" r:id="rId10"/>
-    <p:sldId id="332" r:id="rId11"/>
-    <p:sldId id="333" r:id="rId12"/>
+    <p:sldId id="332" r:id="rId10"/>
+    <p:sldId id="333" r:id="rId11"/>
+    <p:sldId id="331" r:id="rId12"/>
     <p:sldId id="334" r:id="rId13"/>
     <p:sldId id="325" r:id="rId14"/>
     <p:sldId id="335" r:id="rId15"/>
@@ -179,9 +179,9 @@
             <p14:sldId id="329"/>
             <p14:sldId id="324"/>
             <p14:sldId id="330"/>
-            <p14:sldId id="331"/>
             <p14:sldId id="332"/>
             <p14:sldId id="333"/>
+            <p14:sldId id="331"/>
             <p14:sldId id="334"/>
             <p14:sldId id="325"/>
             <p14:sldId id="335"/>
@@ -292,7 +292,7 @@
           <a:p>
             <a:fld id="{175026EB-4058-4BC7-8426-D7194AF02EC7}" type="datetimeFigureOut">
               <a:rPr lang="zh-CN" altLang="en-US" smtClean="0"/>
-              <a:t>2024/4/27</a:t>
+              <a:t>2024/5/4</a:t>
             </a:fld>
             <a:endParaRPr lang="zh-CN" altLang="en-US"/>
           </a:p>
@@ -874,7 +874,7 @@
           <a:p>
             <a:fld id="{2DE362B0-12AC-4085-87E0-7E16945EABF7}" type="datetimeFigureOut">
               <a:rPr lang="zh-CN" altLang="en-US" smtClean="0"/>
-              <a:t>2024/4/27</a:t>
+              <a:t>2024/5/4</a:t>
             </a:fld>
             <a:endParaRPr lang="zh-CN" altLang="en-US"/>
           </a:p>
@@ -1072,7 +1072,7 @@
           <a:p>
             <a:fld id="{2DE362B0-12AC-4085-87E0-7E16945EABF7}" type="datetimeFigureOut">
               <a:rPr lang="zh-CN" altLang="en-US" smtClean="0"/>
-              <a:t>2024/4/27</a:t>
+              <a:t>2024/5/4</a:t>
             </a:fld>
             <a:endParaRPr lang="zh-CN" altLang="en-US"/>
           </a:p>
@@ -1280,7 +1280,7 @@
           <a:p>
             <a:fld id="{2DE362B0-12AC-4085-87E0-7E16945EABF7}" type="datetimeFigureOut">
               <a:rPr lang="zh-CN" altLang="en-US" smtClean="0"/>
-              <a:t>2024/4/27</a:t>
+              <a:t>2024/5/4</a:t>
             </a:fld>
             <a:endParaRPr lang="zh-CN" altLang="en-US"/>
           </a:p>
@@ -1478,7 +1478,7 @@
           <a:p>
             <a:fld id="{2DE362B0-12AC-4085-87E0-7E16945EABF7}" type="datetimeFigureOut">
               <a:rPr lang="zh-CN" altLang="en-US" smtClean="0"/>
-              <a:t>2024/4/27</a:t>
+              <a:t>2024/5/4</a:t>
             </a:fld>
             <a:endParaRPr lang="zh-CN" altLang="en-US"/>
           </a:p>
@@ -1753,7 +1753,7 @@
           <a:p>
             <a:fld id="{2DE362B0-12AC-4085-87E0-7E16945EABF7}" type="datetimeFigureOut">
               <a:rPr lang="zh-CN" altLang="en-US" smtClean="0"/>
-              <a:t>2024/4/27</a:t>
+              <a:t>2024/5/4</a:t>
             </a:fld>
             <a:endParaRPr lang="zh-CN" altLang="en-US"/>
           </a:p>
@@ -2018,7 +2018,7 @@
           <a:p>
             <a:fld id="{2DE362B0-12AC-4085-87E0-7E16945EABF7}" type="datetimeFigureOut">
               <a:rPr lang="zh-CN" altLang="en-US" smtClean="0"/>
-              <a:t>2024/4/27</a:t>
+              <a:t>2024/5/4</a:t>
             </a:fld>
             <a:endParaRPr lang="zh-CN" altLang="en-US"/>
           </a:p>
@@ -2430,7 +2430,7 @@
           <a:p>
             <a:fld id="{2DE362B0-12AC-4085-87E0-7E16945EABF7}" type="datetimeFigureOut">
               <a:rPr lang="zh-CN" altLang="en-US" smtClean="0"/>
-              <a:t>2024/4/27</a:t>
+              <a:t>2024/5/4</a:t>
             </a:fld>
             <a:endParaRPr lang="zh-CN" altLang="en-US"/>
           </a:p>
@@ -2571,7 +2571,7 @@
           <a:p>
             <a:fld id="{2DE362B0-12AC-4085-87E0-7E16945EABF7}" type="datetimeFigureOut">
               <a:rPr lang="zh-CN" altLang="en-US" smtClean="0"/>
-              <a:t>2024/4/27</a:t>
+              <a:t>2024/5/4</a:t>
             </a:fld>
             <a:endParaRPr lang="zh-CN" altLang="en-US"/>
           </a:p>
@@ -2684,7 +2684,7 @@
           <a:p>
             <a:fld id="{2DE362B0-12AC-4085-87E0-7E16945EABF7}" type="datetimeFigureOut">
               <a:rPr lang="zh-CN" altLang="en-US" smtClean="0"/>
-              <a:t>2024/4/27</a:t>
+              <a:t>2024/5/4</a:t>
             </a:fld>
             <a:endParaRPr lang="zh-CN" altLang="en-US"/>
           </a:p>
@@ -2995,7 +2995,7 @@
           <a:p>
             <a:fld id="{2DE362B0-12AC-4085-87E0-7E16945EABF7}" type="datetimeFigureOut">
               <a:rPr lang="zh-CN" altLang="en-US" smtClean="0"/>
-              <a:t>2024/4/27</a:t>
+              <a:t>2024/5/4</a:t>
             </a:fld>
             <a:endParaRPr lang="zh-CN" altLang="en-US"/>
           </a:p>
@@ -3283,7 +3283,7 @@
           <a:p>
             <a:fld id="{2DE362B0-12AC-4085-87E0-7E16945EABF7}" type="datetimeFigureOut">
               <a:rPr lang="zh-CN" altLang="en-US" smtClean="0"/>
-              <a:t>2024/4/27</a:t>
+              <a:t>2024/5/4</a:t>
             </a:fld>
             <a:endParaRPr lang="zh-CN" altLang="en-US"/>
           </a:p>
@@ -3524,7 +3524,7 @@
           <a:p>
             <a:fld id="{2DE362B0-12AC-4085-87E0-7E16945EABF7}" type="datetimeFigureOut">
               <a:rPr lang="zh-CN" altLang="en-US" smtClean="0"/>
-              <a:t>2024/4/27</a:t>
+              <a:t>2024/5/4</a:t>
             </a:fld>
             <a:endParaRPr lang="zh-CN" altLang="en-US"/>
           </a:p>
@@ -4175,7 +4175,55 @@
                 <a:latin typeface="微软雅黑" panose="020B0503020204020204" pitchFamily="34" charset="-122"/>
                 <a:ea typeface="微软雅黑" panose="020B0503020204020204" pitchFamily="34" charset="-122"/>
               </a:rPr>
-              <a:t>年 月 日</a:t>
+              <a:t>年 </a:t>
+            </a:r>
+            <a:r>
+              <a:rPr lang="en-US" altLang="zh-CN" sz="2400" dirty="0">
+                <a:solidFill>
+                  <a:schemeClr val="bg2">
+                    <a:lumMod val="50000"/>
+                  </a:schemeClr>
+                </a:solidFill>
+                <a:latin typeface="微软雅黑" panose="020B0503020204020204" pitchFamily="34" charset="-122"/>
+                <a:ea typeface="微软雅黑" panose="020B0503020204020204" pitchFamily="34" charset="-122"/>
+              </a:rPr>
+              <a:t>4</a:t>
+            </a:r>
+            <a:r>
+              <a:rPr lang="zh-CN" altLang="en-US" sz="2400" dirty="0">
+                <a:solidFill>
+                  <a:schemeClr val="bg2">
+                    <a:lumMod val="50000"/>
+                  </a:schemeClr>
+                </a:solidFill>
+                <a:latin typeface="微软雅黑" panose="020B0503020204020204" pitchFamily="34" charset="-122"/>
+                <a:ea typeface="微软雅黑" panose="020B0503020204020204" pitchFamily="34" charset="-122"/>
+              </a:rPr>
+              <a:t>月</a:t>
+            </a:r>
+            <a:r>
+              <a:rPr lang="en-US" altLang="zh-CN" sz="2400" dirty="0">
+                <a:solidFill>
+                  <a:schemeClr val="bg2">
+                    <a:lumMod val="50000"/>
+                  </a:schemeClr>
+                </a:solidFill>
+                <a:latin typeface="微软雅黑" panose="020B0503020204020204" pitchFamily="34" charset="-122"/>
+                <a:ea typeface="微软雅黑" panose="020B0503020204020204" pitchFamily="34" charset="-122"/>
+              </a:rPr>
+              <a:t>29</a:t>
+            </a:r>
+            <a:r>
+              <a:rPr lang="zh-CN" altLang="en-US" sz="2400" dirty="0">
+                <a:solidFill>
+                  <a:schemeClr val="bg2">
+                    <a:lumMod val="50000"/>
+                  </a:schemeClr>
+                </a:solidFill>
+                <a:latin typeface="微软雅黑" panose="020B0503020204020204" pitchFamily="34" charset="-122"/>
+                <a:ea typeface="微软雅黑" panose="020B0503020204020204" pitchFamily="34" charset="-122"/>
+              </a:rPr>
+              <a:t> 日</a:t>
             </a:r>
           </a:p>
         </p:txBody>
@@ -4478,6 +4526,15 @@
               </a:rPr>
               <a:t>项目亮点</a:t>
             </a:r>
+            <a:endParaRPr lang="en-US" altLang="zh-CN" sz="2400" b="1" dirty="0">
+              <a:solidFill>
+                <a:schemeClr val="bg2">
+                  <a:lumMod val="25000"/>
+                </a:schemeClr>
+              </a:solidFill>
+              <a:latin typeface="微软雅黑" panose="020B0503020204020204" pitchFamily="34" charset="-122"/>
+              <a:ea typeface="微软雅黑" panose="020B0503020204020204" pitchFamily="34" charset="-122"/>
+            </a:endParaRPr>
           </a:p>
         </p:txBody>
       </p:sp>
@@ -4793,7 +4850,7 @@
           <p:cNvPr id="5" name="文本框 4">
             <a:extLst>
               <a:ext uri="{FF2B5EF4-FFF2-40B4-BE49-F238E27FC236}">
-                <a16:creationId xmlns:a16="http://schemas.microsoft.com/office/drawing/2014/main" id="{A7E7CED2-8561-7C65-A6EA-875F527A5C73}"/>
+                <a16:creationId xmlns:a16="http://schemas.microsoft.com/office/drawing/2014/main" id="{B0380AC7-4451-D4B0-762B-2DFC36011A87}"/>
               </a:ext>
             </a:extLst>
           </p:cNvPr>
@@ -4802,8 +4859,8 @@
         </p:nvSpPr>
         <p:spPr>
           <a:xfrm>
-            <a:off x="0" y="971526"/>
-            <a:ext cx="9942284" cy="2031325"/>
+            <a:off x="259975" y="904341"/>
+            <a:ext cx="9682309" cy="369332"/>
           </a:xfrm>
           <a:prstGeom prst="rect">
             <a:avLst/>
@@ -4817,129 +4874,12 @@
           <a:lstStyle/>
           <a:p>
             <a:r>
-              <a:rPr lang="en-US" altLang="zh-CN" dirty="0"/>
-              <a:t>3</a:t>
-            </a:r>
-            <a:r>
-              <a:rPr lang="zh-CN" altLang="en-US" dirty="0"/>
-              <a:t>、企业群组内有聊天室的功能，同属于一个企业群组的用户可以一个专属的聊天室聊天。</a:t>
-            </a:r>
-            <a:endParaRPr lang="en-US" altLang="zh-CN" dirty="0"/>
-          </a:p>
-          <a:p>
-            <a:endParaRPr lang="en-US" altLang="zh-CN" dirty="0"/>
-          </a:p>
-          <a:p>
-            <a:r>
-              <a:rPr lang="zh-CN" altLang="en-US" b="0" i="0" dirty="0">
-                <a:solidFill>
-                  <a:srgbClr val="0D0D0D"/>
-                </a:solidFill>
-                <a:effectLst/>
-                <a:highlight>
-                  <a:srgbClr val="FFFFFF"/>
-                </a:highlight>
-                <a:latin typeface="Söhne"/>
-              </a:rPr>
-              <a:t>              这是一个基于 </a:t>
-            </a:r>
-            <a:r>
-              <a:rPr lang="en-US" altLang="zh-CN" b="0" i="0" dirty="0">
-                <a:solidFill>
-                  <a:srgbClr val="0D0D0D"/>
-                </a:solidFill>
-                <a:effectLst/>
-                <a:highlight>
-                  <a:srgbClr val="FFFFFF"/>
-                </a:highlight>
-                <a:latin typeface="Söhne"/>
-              </a:rPr>
-              <a:t>WebSocket </a:t>
-            </a:r>
-            <a:r>
-              <a:rPr lang="zh-CN" altLang="en-US" b="0" i="0" dirty="0">
-                <a:solidFill>
-                  <a:srgbClr val="0D0D0D"/>
-                </a:solidFill>
-                <a:effectLst/>
-                <a:highlight>
-                  <a:srgbClr val="FFFFFF"/>
-                </a:highlight>
-                <a:latin typeface="Söhne"/>
-              </a:rPr>
-              <a:t>的聊天室服务器，用户与聊天室建立连接后，将接收到的消息按</a:t>
-            </a:r>
-            <a:endParaRPr lang="en-US" altLang="zh-CN" b="0" i="0" dirty="0">
-              <a:solidFill>
-                <a:srgbClr val="0D0D0D"/>
-              </a:solidFill>
-              <a:effectLst/>
-              <a:highlight>
-                <a:srgbClr val="FFFFFF"/>
-              </a:highlight>
-              <a:latin typeface="Söhne"/>
-            </a:endParaRPr>
-          </a:p>
-          <a:p>
-            <a:endParaRPr lang="en-US" altLang="zh-CN" dirty="0">
-              <a:solidFill>
-                <a:srgbClr val="0D0D0D"/>
-              </a:solidFill>
-              <a:highlight>
-                <a:srgbClr val="FFFFFF"/>
-              </a:highlight>
-              <a:latin typeface="Söhne"/>
-            </a:endParaRPr>
-          </a:p>
-          <a:p>
-            <a:r>
-              <a:rPr lang="zh-CN" altLang="en-US" b="0" i="0" dirty="0">
-                <a:solidFill>
-                  <a:srgbClr val="0D0D0D"/>
-                </a:solidFill>
-                <a:effectLst/>
-                <a:highlight>
-                  <a:srgbClr val="FFFFFF"/>
-                </a:highlight>
-                <a:latin typeface="Söhne"/>
-              </a:rPr>
-              <a:t>照格式解析，提取用户名和消息内容，根据用户名查询用户所属的企业群组，将用户添加到相应</a:t>
-            </a:r>
-            <a:endParaRPr lang="en-US" altLang="zh-CN" b="0" i="0" dirty="0">
-              <a:solidFill>
-                <a:srgbClr val="0D0D0D"/>
-              </a:solidFill>
-              <a:effectLst/>
-              <a:highlight>
-                <a:srgbClr val="FFFFFF"/>
-              </a:highlight>
-              <a:latin typeface="Söhne"/>
-            </a:endParaRPr>
-          </a:p>
-          <a:p>
-            <a:endParaRPr lang="en-US" altLang="zh-CN" dirty="0">
-              <a:solidFill>
-                <a:srgbClr val="0D0D0D"/>
-              </a:solidFill>
-              <a:highlight>
-                <a:srgbClr val="FFFFFF"/>
-              </a:highlight>
-              <a:latin typeface="Söhne"/>
-            </a:endParaRPr>
-          </a:p>
-          <a:p>
-            <a:r>
-              <a:rPr lang="zh-CN" altLang="en-US" b="0" i="0" dirty="0">
-                <a:solidFill>
-                  <a:srgbClr val="0D0D0D"/>
-                </a:solidFill>
-                <a:effectLst/>
-                <a:highlight>
-                  <a:srgbClr val="FFFFFF"/>
-                </a:highlight>
-                <a:latin typeface="Söhne"/>
-              </a:rPr>
-              <a:t>的企业群组聊天室中，最后将消息广播给同一群组的所有会话。</a:t>
+              <a:rPr lang="en-US" altLang="zh-CN" b="1" dirty="0"/>
+              <a:t>        3</a:t>
+            </a:r>
+            <a:r>
+              <a:rPr lang="zh-CN" altLang="en-US" b="1" dirty="0"/>
+              <a:t>、实现了收发邮件的功能</a:t>
             </a:r>
             <a:endParaRPr lang="zh-CN" altLang="en-US" dirty="0"/>
           </a:p>
@@ -4947,10 +4887,10 @@
       </p:sp>
       <p:pic>
         <p:nvPicPr>
-          <p:cNvPr id="13" name="图片 12">
-            <a:extLst>
-              <a:ext uri="{FF2B5EF4-FFF2-40B4-BE49-F238E27FC236}">
-                <a16:creationId xmlns:a16="http://schemas.microsoft.com/office/drawing/2014/main" id="{B1B9A871-BB9F-B088-7489-FD77099DEAB5}"/>
+          <p:cNvPr id="18" name="图片 17">
+            <a:extLst>
+              <a:ext uri="{FF2B5EF4-FFF2-40B4-BE49-F238E27FC236}">
+                <a16:creationId xmlns:a16="http://schemas.microsoft.com/office/drawing/2014/main" id="{0FA61365-091F-9B39-4D24-B8D37D625091}"/>
               </a:ext>
             </a:extLst>
           </p:cNvPr>
@@ -4960,55 +4900,74 @@
           <p:nvPr/>
         </p:nvPicPr>
         <p:blipFill>
-          <a:blip r:embed="rId4"/>
+          <a:blip r:embed="rId4">
+            <a:extLst>
+              <a:ext uri="{28A0092B-C50C-407E-A947-70E740481C1C}">
+                <a14:useLocalDpi xmlns:a14="http://schemas.microsoft.com/office/drawing/2010/main" val="0"/>
+              </a:ext>
+            </a:extLst>
+          </a:blip>
           <a:stretch>
             <a:fillRect/>
           </a:stretch>
         </p:blipFill>
         <p:spPr>
           <a:xfrm>
-            <a:off x="556372" y="3147738"/>
-            <a:ext cx="3800978" cy="3638543"/>
+            <a:off x="5109827" y="0"/>
+            <a:ext cx="3550642" cy="6858000"/>
           </a:xfrm>
           <a:prstGeom prst="rect">
             <a:avLst/>
           </a:prstGeom>
         </p:spPr>
       </p:pic>
-      <p:pic>
-        <p:nvPicPr>
-          <p:cNvPr id="15" name="图片 14">
-            <a:extLst>
-              <a:ext uri="{FF2B5EF4-FFF2-40B4-BE49-F238E27FC236}">
-                <a16:creationId xmlns:a16="http://schemas.microsoft.com/office/drawing/2014/main" id="{F305A9B0-2F8A-E3A7-C7CF-603EEC1F7ABD}"/>
-              </a:ext>
-            </a:extLst>
-          </p:cNvPr>
-          <p:cNvPicPr>
-            <a:picLocks noChangeAspect="1"/>
-          </p:cNvPicPr>
-          <p:nvPr/>
-        </p:nvPicPr>
-        <p:blipFill>
-          <a:blip r:embed="rId5"/>
-          <a:stretch>
-            <a:fillRect/>
-          </a:stretch>
-        </p:blipFill>
-        <p:spPr>
-          <a:xfrm>
-            <a:off x="4866714" y="3147738"/>
-            <a:ext cx="4106659" cy="3638543"/>
+      <p:sp>
+        <p:nvSpPr>
+          <p:cNvPr id="19" name="文本框 18">
+            <a:extLst>
+              <a:ext uri="{FF2B5EF4-FFF2-40B4-BE49-F238E27FC236}">
+                <a16:creationId xmlns:a16="http://schemas.microsoft.com/office/drawing/2014/main" id="{51BEC269-AAFF-627F-E925-9C7BD94703A9}"/>
+              </a:ext>
+            </a:extLst>
+          </p:cNvPr>
+          <p:cNvSpPr txBox="1"/>
+          <p:nvPr/>
+        </p:nvSpPr>
+        <p:spPr>
+          <a:xfrm>
+            <a:off x="968457" y="2774584"/>
+            <a:ext cx="2707341" cy="1200329"/>
           </a:xfrm>
           <a:prstGeom prst="rect">
             <a:avLst/>
           </a:prstGeom>
-        </p:spPr>
-      </p:pic>
+          <a:noFill/>
+        </p:spPr>
+        <p:txBody>
+          <a:bodyPr wrap="square" rtlCol="0">
+            <a:spAutoFit/>
+          </a:bodyPr>
+          <a:lstStyle/>
+          <a:p>
+            <a:r>
+              <a:rPr lang="zh-CN" altLang="en-US" dirty="0"/>
+              <a:t>使用了</a:t>
+            </a:r>
+            <a:r>
+              <a:rPr lang="en-US" altLang="zh-CN" dirty="0" err="1"/>
+              <a:t>java.mail</a:t>
+            </a:r>
+            <a:r>
+              <a:rPr lang="zh-CN" altLang="en-US" dirty="0"/>
+              <a:t>，用户或企业被封禁之后，可以通过发邮件向管理员申请解封。</a:t>
+            </a:r>
+          </a:p>
+        </p:txBody>
+      </p:sp>
     </p:spTree>
     <p:extLst>
       <p:ext uri="{BB962C8B-B14F-4D97-AF65-F5344CB8AC3E}">
-        <p14:creationId xmlns:p14="http://schemas.microsoft.com/office/powerpoint/2010/main" val="2136718367"/>
+        <p14:creationId xmlns:p14="http://schemas.microsoft.com/office/powerpoint/2010/main" val="3851851882"/>
       </p:ext>
     </p:extLst>
   </p:cSld>
@@ -5130,15 +5089,6 @@
               </a:rPr>
               <a:t>项目亮点</a:t>
             </a:r>
-            <a:endParaRPr lang="en-US" altLang="zh-CN" sz="2400" b="1" dirty="0">
-              <a:solidFill>
-                <a:schemeClr val="bg2">
-                  <a:lumMod val="25000"/>
-                </a:schemeClr>
-              </a:solidFill>
-              <a:latin typeface="微软雅黑" panose="020B0503020204020204" pitchFamily="34" charset="-122"/>
-              <a:ea typeface="微软雅黑" panose="020B0503020204020204" pitchFamily="34" charset="-122"/>
-            </a:endParaRPr>
           </a:p>
         </p:txBody>
       </p:sp>
@@ -5454,7 +5404,7 @@
           <p:cNvPr id="5" name="文本框 4">
             <a:extLst>
               <a:ext uri="{FF2B5EF4-FFF2-40B4-BE49-F238E27FC236}">
-                <a16:creationId xmlns:a16="http://schemas.microsoft.com/office/drawing/2014/main" id="{B0380AC7-4451-D4B0-762B-2DFC36011A87}"/>
+                <a16:creationId xmlns:a16="http://schemas.microsoft.com/office/drawing/2014/main" id="{FBB3A0F2-D5ED-FCF1-9AB1-6CFA6809F9D9}"/>
               </a:ext>
             </a:extLst>
           </p:cNvPr>
@@ -5463,8 +5413,8 @@
         </p:nvSpPr>
         <p:spPr>
           <a:xfrm>
-            <a:off x="1" y="904342"/>
-            <a:ext cx="9942284" cy="2031325"/>
+            <a:off x="59355" y="904342"/>
+            <a:ext cx="9942284" cy="923330"/>
           </a:xfrm>
           <a:prstGeom prst="rect">
             <a:avLst/>
@@ -5479,19 +5429,27 @@
           <a:p>
             <a:r>
               <a:rPr lang="en-US" altLang="zh-CN" dirty="0"/>
+              <a:t>         </a:t>
+            </a:r>
+            <a:r>
+              <a:rPr lang="en-US" altLang="zh-CN" b="1" dirty="0"/>
               <a:t>4</a:t>
             </a:r>
             <a:r>
+              <a:rPr lang="zh-CN" altLang="en-US" b="1" dirty="0"/>
+              <a:t>、</a:t>
+            </a:r>
+            <a:r>
               <a:rPr lang="zh-CN" altLang="en-US" dirty="0"/>
-              <a:t>、使用了</a:t>
+              <a:t>使用了</a:t>
             </a:r>
             <a:r>
               <a:rPr lang="en-US" altLang="zh-CN" dirty="0" err="1"/>
-              <a:t>javax.mail</a:t>
+              <a:t>lomback</a:t>
             </a:r>
             <a:r>
               <a:rPr lang="zh-CN" altLang="en-US" dirty="0"/>
-              <a:t>，用户或企业被封禁了，可以向网站管理员发送邮件来申请解封</a:t>
+              <a:t>日志实时监控系统运行状态，可以记录运行关键部分和异常情况</a:t>
             </a:r>
             <a:endParaRPr lang="en-US" altLang="zh-CN" dirty="0"/>
           </a:p>
@@ -5500,152 +5458,22 @@
           </a:p>
           <a:p>
             <a:r>
-              <a:rPr lang="zh-CN" altLang="en-US" b="0" i="0" dirty="0">
-                <a:solidFill>
-                  <a:srgbClr val="0D0D0D"/>
-                </a:solidFill>
-                <a:effectLst/>
-                <a:highlight>
-                  <a:srgbClr val="FFFFFF"/>
-                </a:highlight>
-                <a:latin typeface="Söhne"/>
-              </a:rPr>
-              <a:t>           实现了通过 </a:t>
-            </a:r>
-            <a:r>
-              <a:rPr lang="en-US" altLang="zh-CN" b="0" i="0" dirty="0">
-                <a:solidFill>
-                  <a:srgbClr val="0D0D0D"/>
-                </a:solidFill>
-                <a:effectLst/>
-                <a:highlight>
-                  <a:srgbClr val="FFFFFF"/>
-                </a:highlight>
-                <a:latin typeface="Söhne"/>
-              </a:rPr>
-              <a:t>SMTP </a:t>
-            </a:r>
-            <a:r>
-              <a:rPr lang="zh-CN" altLang="en-US" b="0" i="0" dirty="0">
-                <a:solidFill>
-                  <a:srgbClr val="0D0D0D"/>
-                </a:solidFill>
-                <a:effectLst/>
-                <a:highlight>
-                  <a:srgbClr val="FFFFFF"/>
-                </a:highlight>
-                <a:latin typeface="Söhne"/>
-              </a:rPr>
-              <a:t>协议向指定邮箱发送邮件的功能，先定义发送邮件所需的协议、主机、端</a:t>
-            </a:r>
-            <a:endParaRPr lang="en-US" altLang="zh-CN" b="0" i="0" dirty="0">
-              <a:solidFill>
-                <a:srgbClr val="0D0D0D"/>
-              </a:solidFill>
-              <a:effectLst/>
-              <a:highlight>
-                <a:srgbClr val="FFFFFF"/>
-              </a:highlight>
-              <a:latin typeface="Söhne"/>
-            </a:endParaRPr>
-          </a:p>
-          <a:p>
-            <a:endParaRPr lang="en-US" altLang="zh-CN" dirty="0">
-              <a:solidFill>
-                <a:srgbClr val="0D0D0D"/>
-              </a:solidFill>
-              <a:highlight>
-                <a:srgbClr val="FFFFFF"/>
-              </a:highlight>
-              <a:latin typeface="Söhne"/>
-            </a:endParaRPr>
-          </a:p>
-          <a:p>
-            <a:r>
-              <a:rPr lang="zh-CN" altLang="en-US" b="0" i="0" dirty="0">
-                <a:solidFill>
-                  <a:srgbClr val="0D0D0D"/>
-                </a:solidFill>
-                <a:effectLst/>
-                <a:highlight>
-                  <a:srgbClr val="FFFFFF"/>
-                </a:highlight>
-                <a:latin typeface="Söhne"/>
-              </a:rPr>
-              <a:t>口等参数，设置邮箱服务器的认证、</a:t>
-            </a:r>
-            <a:r>
-              <a:rPr lang="en-US" altLang="zh-CN" b="0" i="0" dirty="0">
-                <a:solidFill>
-                  <a:srgbClr val="0D0D0D"/>
-                </a:solidFill>
-                <a:effectLst/>
-                <a:highlight>
-                  <a:srgbClr val="FFFFFF"/>
-                </a:highlight>
-                <a:latin typeface="Söhne"/>
-              </a:rPr>
-              <a:t>SSL </a:t>
-            </a:r>
-            <a:r>
-              <a:rPr lang="zh-CN" altLang="en-US" b="0" i="0" dirty="0">
-                <a:solidFill>
-                  <a:srgbClr val="0D0D0D"/>
-                </a:solidFill>
-                <a:effectLst/>
-                <a:highlight>
-                  <a:srgbClr val="FFFFFF"/>
-                </a:highlight>
-                <a:latin typeface="Söhne"/>
-              </a:rPr>
-              <a:t>加密、调试模式等属性，对发件人邮箱的用户名和密码进</a:t>
-            </a:r>
-            <a:endParaRPr lang="en-US" altLang="zh-CN" b="0" i="0" dirty="0">
-              <a:solidFill>
-                <a:srgbClr val="0D0D0D"/>
-              </a:solidFill>
-              <a:effectLst/>
-              <a:highlight>
-                <a:srgbClr val="FFFFFF"/>
-              </a:highlight>
-              <a:latin typeface="Söhne"/>
-            </a:endParaRPr>
-          </a:p>
-          <a:p>
-            <a:endParaRPr lang="en-US" altLang="zh-CN" dirty="0">
-              <a:solidFill>
-                <a:srgbClr val="0D0D0D"/>
-              </a:solidFill>
-              <a:highlight>
-                <a:srgbClr val="FFFFFF"/>
-              </a:highlight>
-              <a:latin typeface="Söhne"/>
-            </a:endParaRPr>
-          </a:p>
-          <a:p>
-            <a:r>
-              <a:rPr lang="zh-CN" altLang="en-US" b="0" i="0" dirty="0">
-                <a:solidFill>
-                  <a:srgbClr val="0D0D0D"/>
-                </a:solidFill>
-                <a:effectLst/>
-                <a:highlight>
-                  <a:srgbClr val="FFFFFF"/>
-                </a:highlight>
-                <a:latin typeface="Söhne"/>
-              </a:rPr>
-              <a:t>行认证，连接邮箱服务器，然后再传入用户邮件的信息，最终发送邮件。</a:t>
-            </a:r>
-            <a:endParaRPr lang="zh-CN" altLang="en-US" dirty="0"/>
+              <a:rPr lang="en-US" altLang="zh-CN" dirty="0"/>
+              <a:t>               </a:t>
+            </a:r>
+            <a:r>
+              <a:rPr lang="zh-CN" altLang="en-US" dirty="0"/>
+              <a:t>通过查看下方日志，在系统出现问题时可以快速排查到问题所在，及时修复。</a:t>
+            </a:r>
           </a:p>
         </p:txBody>
       </p:sp>
       <p:pic>
         <p:nvPicPr>
-          <p:cNvPr id="13" name="图片 12">
-            <a:extLst>
-              <a:ext uri="{FF2B5EF4-FFF2-40B4-BE49-F238E27FC236}">
-                <a16:creationId xmlns:a16="http://schemas.microsoft.com/office/drawing/2014/main" id="{15299DC9-8944-2BCB-2D8E-44BD983BD406}"/>
+          <p:cNvPr id="15" name="图片 14">
+            <a:extLst>
+              <a:ext uri="{FF2B5EF4-FFF2-40B4-BE49-F238E27FC236}">
+                <a16:creationId xmlns:a16="http://schemas.microsoft.com/office/drawing/2014/main" id="{11A532FF-1FA0-94BD-DCDD-9810C87D63A6}"/>
               </a:ext>
             </a:extLst>
           </p:cNvPr>
@@ -5655,21 +5483,15 @@
           <p:nvPr/>
         </p:nvPicPr>
         <p:blipFill>
-          <a:blip r:embed="rId4">
-            <a:extLst>
-              <a:ext uri="{28A0092B-C50C-407E-A947-70E740481C1C}">
-                <a14:useLocalDpi xmlns:a14="http://schemas.microsoft.com/office/drawing/2010/main" val="0"/>
-              </a:ext>
-            </a:extLst>
-          </a:blip>
+          <a:blip r:embed="rId4"/>
           <a:stretch>
             <a:fillRect/>
           </a:stretch>
         </p:blipFill>
         <p:spPr>
           <a:xfrm>
-            <a:off x="2689412" y="2935667"/>
-            <a:ext cx="3657599" cy="3922333"/>
+            <a:off x="740884" y="2232315"/>
+            <a:ext cx="8579225" cy="3130779"/>
           </a:xfrm>
           <a:prstGeom prst="rect">
             <a:avLst/>
@@ -5679,7 +5501,7 @@
     </p:spTree>
     <p:extLst>
       <p:ext uri="{BB962C8B-B14F-4D97-AF65-F5344CB8AC3E}">
-        <p14:creationId xmlns:p14="http://schemas.microsoft.com/office/powerpoint/2010/main" val="3851851882"/>
+        <p14:creationId xmlns:p14="http://schemas.microsoft.com/office/powerpoint/2010/main" val="3239341319"/>
       </p:ext>
     </p:extLst>
   </p:cSld>
@@ -6126,7 +5948,7 @@
         <p:spPr>
           <a:xfrm>
             <a:off x="0" y="904342"/>
-            <a:ext cx="9942284" cy="3139321"/>
+            <a:ext cx="9942284" cy="923330"/>
           </a:xfrm>
           <a:prstGeom prst="rect">
             <a:avLst/>
@@ -6140,62 +5962,16 @@
           <a:lstStyle/>
           <a:p>
             <a:r>
-              <a:rPr lang="en-US" altLang="zh-CN" dirty="0"/>
-              <a:t>5</a:t>
+              <a:rPr lang="en-US" altLang="zh-CN" b="1" dirty="0"/>
+              <a:t>            5</a:t>
+            </a:r>
+            <a:r>
+              <a:rPr lang="zh-CN" altLang="en-US" b="1" dirty="0"/>
+              <a:t>、</a:t>
             </a:r>
             <a:r>
               <a:rPr lang="zh-CN" altLang="en-US" dirty="0"/>
-              <a:t>、在转账资金流动过程中，使用了锁和事务处理，保证资金流动的安全</a:t>
-            </a:r>
-            <a:endParaRPr lang="en-US" altLang="zh-CN" dirty="0"/>
-          </a:p>
-          <a:p>
-            <a:endParaRPr lang="en-US" altLang="zh-CN" dirty="0"/>
-          </a:p>
-          <a:p>
-            <a:r>
-              <a:rPr lang="en-US" altLang="zh-CN" dirty="0"/>
-              <a:t>6</a:t>
-            </a:r>
-            <a:r>
-              <a:rPr lang="zh-CN" altLang="en-US" dirty="0"/>
-              <a:t>、使用了自己实现的</a:t>
-            </a:r>
-            <a:r>
-              <a:rPr lang="en-US" altLang="zh-CN" dirty="0" err="1"/>
-              <a:t>jdbc</a:t>
-            </a:r>
-            <a:r>
-              <a:rPr lang="zh-CN" altLang="en-US" dirty="0"/>
-              <a:t>连接池</a:t>
-            </a:r>
-            <a:endParaRPr lang="en-US" altLang="zh-CN" dirty="0"/>
-          </a:p>
-          <a:p>
-            <a:endParaRPr lang="en-US" altLang="zh-CN" dirty="0"/>
-          </a:p>
-          <a:p>
-            <a:r>
-              <a:rPr lang="en-US" altLang="zh-CN" dirty="0"/>
-              <a:t>8</a:t>
-            </a:r>
-            <a:r>
-              <a:rPr lang="zh-CN" altLang="en-US" dirty="0"/>
-              <a:t>、前后端使用正则表达式校验密码</a:t>
-            </a:r>
-            <a:endParaRPr lang="en-US" altLang="zh-CN" dirty="0"/>
-          </a:p>
-          <a:p>
-            <a:endParaRPr lang="en-US" altLang="zh-CN" dirty="0"/>
-          </a:p>
-          <a:p>
-            <a:r>
-              <a:rPr lang="en-US" altLang="zh-CN" dirty="0"/>
-              <a:t>7</a:t>
-            </a:r>
-            <a:r>
-              <a:rPr lang="zh-CN" altLang="en-US" dirty="0"/>
-              <a:t>、流水账单可以打印输出为</a:t>
+              <a:t>流水账单可以打印输出为</a:t>
             </a:r>
             <a:r>
               <a:rPr lang="en-US" altLang="zh-CN" dirty="0"/>
@@ -6212,30 +5988,16 @@
           </a:p>
           <a:p>
             <a:r>
+              <a:rPr lang="zh-CN" altLang="en-US" dirty="0"/>
+              <a:t>        </a:t>
+            </a:r>
+            <a:r>
               <a:rPr lang="en-US" altLang="zh-CN" dirty="0"/>
-              <a:t>       </a:t>
+              <a:t>	</a:t>
             </a:r>
             <a:r>
               <a:rPr lang="zh-CN" altLang="en-US" dirty="0"/>
-              <a:t>首先直接获取</a:t>
-            </a:r>
-            <a:r>
-              <a:rPr lang="en-US" altLang="zh-CN" dirty="0"/>
-              <a:t>html</a:t>
-            </a:r>
-            <a:r>
-              <a:rPr lang="zh-CN" altLang="en-US" dirty="0"/>
-              <a:t>表格内容，再格式化为文本格式，用户点击打印输出后，可以直接将文件</a:t>
-            </a:r>
-            <a:endParaRPr lang="en-US" altLang="zh-CN" dirty="0"/>
-          </a:p>
-          <a:p>
-            <a:endParaRPr lang="en-US" altLang="zh-CN" dirty="0"/>
-          </a:p>
-          <a:p>
-            <a:r>
-              <a:rPr lang="zh-CN" altLang="en-US" dirty="0"/>
-              <a:t>下载到本地。</a:t>
+              <a:t>用户点击打印输出后，可以直接将流水账单下载到本地。</a:t>
             </a:r>
           </a:p>
         </p:txBody>
@@ -6262,7 +6024,7 @@
         </p:blipFill>
         <p:spPr>
           <a:xfrm>
-            <a:off x="231343" y="4223139"/>
+            <a:off x="425952" y="2370859"/>
             <a:ext cx="9090379" cy="2097293"/>
           </a:xfrm>
           <a:prstGeom prst="rect">
@@ -7235,7 +6997,7 @@
         <p:spPr>
           <a:xfrm>
             <a:off x="0" y="1120588"/>
-            <a:ext cx="9942284" cy="4247317"/>
+            <a:ext cx="9942284" cy="4524315"/>
           </a:xfrm>
           <a:prstGeom prst="rect">
             <a:avLst/>
@@ -7250,21 +7012,54 @@
           <a:p>
             <a:r>
               <a:rPr lang="en-US" altLang="zh-CN" dirty="0"/>
+              <a:t>	</a:t>
+            </a:r>
+            <a:r>
+              <a:rPr lang="en-US" altLang="zh-CN" b="1" dirty="0"/>
               <a:t>1</a:t>
             </a:r>
             <a:r>
+              <a:rPr lang="zh-CN" altLang="en-US" b="1" dirty="0"/>
+              <a:t>、</a:t>
+            </a:r>
+            <a:r>
               <a:rPr lang="zh-CN" altLang="en-US" dirty="0"/>
-              <a:t>、在项目初期，不知从何下手。整个项目逻辑较复杂，数据库建表时一开始考虑不全面，在写项</a:t>
+              <a:t>整个项目逻辑较复杂，数据库建表比较困难，容易考虑不全面。但是在花了一些</a:t>
             </a:r>
             <a:endParaRPr lang="en-US" altLang="zh-CN" dirty="0"/>
           </a:p>
           <a:p>
+            <a:r>
+              <a:rPr lang="en-US" altLang="zh-CN" dirty="0"/>
+              <a:t>		</a:t>
+            </a:r>
+          </a:p>
+          <a:p>
+            <a:r>
+              <a:rPr lang="en-US" altLang="zh-CN" dirty="0"/>
+              <a:t>                     </a:t>
+            </a:r>
+            <a:r>
+              <a:rPr lang="zh-CN" altLang="en-US" dirty="0"/>
+              <a:t>时间梳理整个项目，仔细考虑之后还是将表完整的建了出来。</a:t>
+            </a:r>
             <a:endParaRPr lang="en-US" altLang="zh-CN" dirty="0"/>
           </a:p>
           <a:p>
+            <a:endParaRPr lang="en-US" altLang="zh-CN" dirty="0"/>
+          </a:p>
+          <a:p>
+            <a:r>
+              <a:rPr lang="en-US" altLang="zh-CN" b="1" dirty="0"/>
+              <a:t>              2</a:t>
+            </a:r>
+            <a:r>
+              <a:rPr lang="zh-CN" altLang="en-US" b="1" dirty="0"/>
+              <a:t>、</a:t>
+            </a:r>
             <a:r>
               <a:rPr lang="zh-CN" altLang="en-US" dirty="0"/>
-              <a:t>目期间来来回回改了很多次，非常难受。</a:t>
+              <a:t>在之前基本上没有写过前端页面，所以在搭建前端页面时有些难以下手。在经过</a:t>
             </a:r>
             <a:endParaRPr lang="en-US" altLang="zh-CN" dirty="0"/>
           </a:p>
@@ -7273,12 +7068,29 @@
           </a:p>
           <a:p>
             <a:r>
+              <a:rPr lang="zh-CN" altLang="en-US" dirty="0"/>
+              <a:t>                    不断的尝试之后，逐渐熟悉起来。</a:t>
+            </a:r>
+            <a:endParaRPr lang="en-US" altLang="zh-CN" dirty="0"/>
+          </a:p>
+          <a:p>
+            <a:r>
               <a:rPr lang="en-US" altLang="zh-CN" dirty="0"/>
-              <a:t>2</a:t>
+              <a:t>  </a:t>
+            </a:r>
+          </a:p>
+          <a:p>
+            <a:r>
+              <a:rPr lang="en-US" altLang="zh-CN" b="1" dirty="0"/>
+              <a:t>              3</a:t>
+            </a:r>
+            <a:r>
+              <a:rPr lang="zh-CN" altLang="en-US" b="1" dirty="0"/>
+              <a:t>、</a:t>
             </a:r>
             <a:r>
               <a:rPr lang="zh-CN" altLang="en-US" dirty="0"/>
-              <a:t>、在之前基本上没有写过前端页面，所以在搭建前端项目页面时力不从心，难以下手，不知如何</a:t>
+              <a:t>在准备实现一个新功能时，却发现没有学过。但是通过花时间去学习，不断查阅</a:t>
             </a:r>
             <a:endParaRPr lang="en-US" altLang="zh-CN" dirty="0"/>
           </a:p>
@@ -7287,8 +7099,12 @@
           </a:p>
           <a:p>
             <a:r>
+              <a:rPr lang="en-US" altLang="zh-CN" dirty="0"/>
+              <a:t>                    </a:t>
+            </a:r>
+            <a:r>
               <a:rPr lang="zh-CN" altLang="en-US" dirty="0"/>
-              <a:t>才能将数据很好的展现出来。</a:t>
+              <a:t>资料，最后也是顺利地实现了新的功能。</a:t>
             </a:r>
             <a:endParaRPr lang="en-US" altLang="zh-CN" dirty="0"/>
           </a:p>
@@ -7298,25 +7114,19 @@
           <a:p>
             <a:r>
               <a:rPr lang="en-US" altLang="zh-CN" dirty="0"/>
-              <a:t>3</a:t>
+              <a:t>              </a:t>
+            </a:r>
+            <a:r>
+              <a:rPr lang="en-US" altLang="zh-CN" b="1" dirty="0"/>
+              <a:t>4</a:t>
+            </a:r>
+            <a:r>
+              <a:rPr lang="zh-CN" altLang="en-US" b="1" dirty="0"/>
+              <a:t>、</a:t>
             </a:r>
             <a:r>
               <a:rPr lang="zh-CN" altLang="en-US" dirty="0"/>
-              <a:t>、在准备实现一个新功能时，却发现没有学过，需要花很多的时间去学习，查阅资料如何实现。</a:t>
-            </a:r>
-            <a:endParaRPr lang="en-US" altLang="zh-CN" dirty="0"/>
-          </a:p>
-          <a:p>
-            <a:endParaRPr lang="en-US" altLang="zh-CN" dirty="0"/>
-          </a:p>
-          <a:p>
-            <a:r>
-              <a:rPr lang="en-US" altLang="zh-CN" dirty="0"/>
-              <a:t>4</a:t>
-            </a:r>
-            <a:r>
-              <a:rPr lang="zh-CN" altLang="en-US" dirty="0"/>
-              <a:t>、在测试一个新功能时，往往会发现存在</a:t>
+              <a:t>在测试一个新功能时，往往会发现存在</a:t>
             </a:r>
             <a:r>
               <a:rPr lang="en-US" altLang="zh-CN" dirty="0"/>
@@ -7326,78 +7136,24 @@
               <a:rPr lang="zh-CN" altLang="en-US" dirty="0"/>
               <a:t>，有时候花了几个小时都没有修复这个</a:t>
             </a:r>
+            <a:endParaRPr lang="en-US" altLang="zh-CN" dirty="0"/>
+          </a:p>
+          <a:p>
+            <a:endParaRPr lang="en-US" altLang="zh-CN" dirty="0"/>
+          </a:p>
+          <a:p>
             <a:r>
               <a:rPr lang="en-US" altLang="zh-CN" dirty="0"/>
-              <a:t>bug</a:t>
+              <a:t>                  bug</a:t>
             </a:r>
             <a:r>
               <a:rPr lang="zh-CN" altLang="en-US" dirty="0"/>
-              <a:t>。</a:t>
+              <a:t>。最后学会查看日志和报错信息，能快速地找到问题所在并修复。</a:t>
             </a:r>
             <a:endParaRPr lang="en-US" altLang="zh-CN" dirty="0"/>
           </a:p>
           <a:p>
             <a:endParaRPr lang="en-US" altLang="zh-CN" dirty="0"/>
-          </a:p>
-          <a:p>
-            <a:r>
-              <a:rPr lang="en-US" altLang="zh-CN" dirty="0"/>
-              <a:t>5</a:t>
-            </a:r>
-            <a:r>
-              <a:rPr lang="zh-CN" altLang="en-US" dirty="0"/>
-              <a:t>、</a:t>
-            </a:r>
-            <a:r>
-              <a:rPr lang="zh-CN" altLang="en-US" b="0" i="0" dirty="0">
-                <a:solidFill>
-                  <a:srgbClr val="0D0D0D"/>
-                </a:solidFill>
-                <a:effectLst/>
-                <a:highlight>
-                  <a:srgbClr val="FFFFFF"/>
-                </a:highlight>
-                <a:latin typeface="Söhne"/>
-              </a:rPr>
-              <a:t>资金管理涉及到复杂的业务逻辑，如支付、结算、账单管理等，需要仔细分析和设计系统的流</a:t>
-            </a:r>
-            <a:endParaRPr lang="en-US" altLang="zh-CN" b="0" i="0" dirty="0">
-              <a:solidFill>
-                <a:srgbClr val="0D0D0D"/>
-              </a:solidFill>
-              <a:effectLst/>
-              <a:highlight>
-                <a:srgbClr val="FFFFFF"/>
-              </a:highlight>
-              <a:latin typeface="Söhne"/>
-            </a:endParaRPr>
-          </a:p>
-          <a:p>
-            <a:endParaRPr lang="en-US" altLang="zh-CN" dirty="0">
-              <a:solidFill>
-                <a:srgbClr val="0D0D0D"/>
-              </a:solidFill>
-              <a:highlight>
-                <a:srgbClr val="FFFFFF"/>
-              </a:highlight>
-              <a:latin typeface="Söhne"/>
-            </a:endParaRPr>
-          </a:p>
-          <a:p>
-            <a:r>
-              <a:rPr lang="zh-CN" altLang="en-US" b="0" i="0" dirty="0">
-                <a:solidFill>
-                  <a:srgbClr val="0D0D0D"/>
-                </a:solidFill>
-                <a:effectLst/>
-                <a:highlight>
-                  <a:srgbClr val="FFFFFF"/>
-                </a:highlight>
-                <a:latin typeface="Söhne"/>
-              </a:rPr>
-              <a:t>程和规则。</a:t>
-            </a:r>
-            <a:endParaRPr lang="zh-CN" altLang="en-US" dirty="0"/>
           </a:p>
         </p:txBody>
       </p:sp>
@@ -8366,7 +8122,7 @@
         <p:spPr>
           <a:xfrm>
             <a:off x="-32011" y="904342"/>
-            <a:ext cx="9942284" cy="4247317"/>
+            <a:ext cx="9942284" cy="5355312"/>
           </a:xfrm>
           <a:prstGeom prst="rect">
             <a:avLst/>
@@ -8381,11 +8137,19 @@
           <a:p>
             <a:r>
               <a:rPr lang="en-US" altLang="zh-CN" dirty="0"/>
+              <a:t>	</a:t>
+            </a:r>
+            <a:r>
+              <a:rPr lang="en-US" altLang="zh-CN" b="1" dirty="0"/>
               <a:t>1</a:t>
             </a:r>
             <a:r>
+              <a:rPr lang="zh-CN" altLang="en-US" b="1" dirty="0"/>
+              <a:t>、</a:t>
+            </a:r>
+            <a:r>
               <a:rPr lang="zh-CN" altLang="en-US" dirty="0"/>
-              <a:t>、在开发一个项目之前，理清项目逻辑，有一个整体的规划是十分重要的，比如画流程图，可以</a:t>
+              <a:t>在训练营期间，让我不仅巩固了原有的知识基础，还让我对数据结构和算法有了</a:t>
             </a:r>
             <a:endParaRPr lang="en-US" altLang="zh-CN" dirty="0"/>
           </a:p>
@@ -8395,31 +8159,84 @@
           <a:p>
             <a:r>
               <a:rPr lang="zh-CN" altLang="en-US" dirty="0"/>
-              <a:t>大大提高开发项目的效率。</a:t>
+              <a:t>                     更深刻的理解，能更好地掌握。</a:t>
             </a:r>
             <a:endParaRPr lang="en-US" altLang="zh-CN" dirty="0"/>
           </a:p>
           <a:p>
+            <a:r>
+              <a:rPr lang="en-US" altLang="zh-CN" dirty="0"/>
+              <a:t>	</a:t>
+            </a:r>
+          </a:p>
+          <a:p>
+            <a:r>
+              <a:rPr lang="en-US" altLang="zh-CN" dirty="0"/>
+              <a:t>	</a:t>
+            </a:r>
+            <a:r>
+              <a:rPr lang="en-US" altLang="zh-CN" b="1" dirty="0"/>
+              <a:t>2</a:t>
+            </a:r>
+            <a:r>
+              <a:rPr lang="zh-CN" altLang="en-US" b="1" dirty="0"/>
+              <a:t>、</a:t>
+            </a:r>
+            <a:r>
+              <a:rPr lang="zh-CN" altLang="en-US" dirty="0"/>
+              <a:t>整个考核过程下来，让我明白自我管理的重要性，学会了如何高效地管理自己的</a:t>
+            </a:r>
             <a:endParaRPr lang="en-US" altLang="zh-CN" dirty="0"/>
           </a:p>
           <a:p>
             <a:r>
               <a:rPr lang="en-US" altLang="zh-CN" dirty="0"/>
-              <a:t>2</a:t>
+              <a:t> </a:t>
+            </a:r>
+          </a:p>
+          <a:p>
+            <a:r>
+              <a:rPr lang="en-US" altLang="zh-CN" dirty="0"/>
+              <a:t>                     </a:t>
             </a:r>
             <a:r>
               <a:rPr lang="zh-CN" altLang="en-US" dirty="0"/>
-              <a:t>、在测试功能过程中，查看报错信息，记录异常情况，可以帮助快速找到问题所在，避免浪费过</a:t>
-            </a:r>
+              <a:t>时间，进而安排好每一天的任务。</a:t>
+            </a:r>
+            <a:r>
+              <a:rPr lang="en-US" altLang="zh-CN" dirty="0"/>
+              <a:t> </a:t>
+            </a:r>
+          </a:p>
+          <a:p>
             <a:endParaRPr lang="en-US" altLang="zh-CN" dirty="0"/>
           </a:p>
           <a:p>
+            <a:r>
+              <a:rPr lang="en-US" altLang="zh-CN" dirty="0"/>
+              <a:t>	</a:t>
+            </a:r>
+            <a:r>
+              <a:rPr lang="en-US" altLang="zh-CN" b="1" dirty="0"/>
+              <a:t>3</a:t>
+            </a:r>
+            <a:r>
+              <a:rPr lang="zh-CN" altLang="en-US" b="1" dirty="0"/>
+              <a:t>、</a:t>
+            </a:r>
+            <a:r>
+              <a:rPr lang="zh-CN" altLang="en-US" dirty="0"/>
+              <a:t>在开发一个项目之前，理清项目逻辑，有一个整体的规划是十分重要的，比如画</a:t>
+            </a:r>
             <a:endParaRPr lang="en-US" altLang="zh-CN" dirty="0"/>
           </a:p>
           <a:p>
+            <a:endParaRPr lang="en-US" altLang="zh-CN" dirty="0"/>
+          </a:p>
+          <a:p>
             <a:r>
               <a:rPr lang="zh-CN" altLang="en-US" dirty="0"/>
-              <a:t>多的时间。</a:t>
+              <a:t>                     流程图，可以大大提高开发项目的效率。</a:t>
             </a:r>
             <a:endParaRPr lang="en-US" altLang="zh-CN" dirty="0"/>
           </a:p>
@@ -8429,37 +8246,76 @@
           <a:p>
             <a:r>
               <a:rPr lang="en-US" altLang="zh-CN" dirty="0"/>
-              <a:t>3</a:t>
+              <a:t>	</a:t>
+            </a:r>
+            <a:r>
+              <a:rPr lang="en-US" altLang="zh-CN" b="1" dirty="0"/>
+              <a:t>4</a:t>
+            </a:r>
+            <a:r>
+              <a:rPr lang="zh-CN" altLang="en-US" b="1" dirty="0"/>
+              <a:t>、</a:t>
             </a:r>
             <a:r>
               <a:rPr lang="zh-CN" altLang="en-US" dirty="0"/>
-              <a:t>、</a:t>
-            </a:r>
-            <a:r>
-              <a:rPr lang="zh-CN" altLang="en-US" b="0" i="0" dirty="0">
+              <a:t>在测试功能过程中，查看报错信息，记录异常情况，可以帮助快速找到问题所在</a:t>
+            </a:r>
+            <a:endParaRPr lang="en-US" altLang="zh-CN" dirty="0"/>
+          </a:p>
+          <a:p>
+            <a:endParaRPr lang="en-US" altLang="zh-CN" dirty="0"/>
+          </a:p>
+          <a:p>
+            <a:r>
+              <a:rPr lang="zh-CN" altLang="en-US" dirty="0"/>
+              <a:t>                     ，避免浪费过多的时间。</a:t>
+            </a:r>
+            <a:endParaRPr lang="en-US" altLang="zh-CN" dirty="0"/>
+          </a:p>
+          <a:p>
+            <a:endParaRPr lang="en-US" altLang="zh-CN" dirty="0"/>
+          </a:p>
+          <a:p>
+            <a:r>
+              <a:rPr lang="en-US" altLang="zh-CN" dirty="0"/>
+              <a:t>	</a:t>
+            </a:r>
+            <a:r>
+              <a:rPr lang="en-US" altLang="zh-CN" b="1" dirty="0">
                 <a:solidFill>
                   <a:srgbClr val="0D0D0D"/>
                 </a:solidFill>
-                <a:effectLst/>
                 <a:highlight>
                   <a:srgbClr val="FFFFFF"/>
                 </a:highlight>
                 <a:latin typeface="Söhne"/>
               </a:rPr>
-              <a:t>资金管理涉及到用户的财产安全，因此安全性是首要考虑的问题，所以在这期间学到了很多提</a:t>
-            </a:r>
-            <a:endParaRPr lang="en-US" altLang="zh-CN" b="0" i="0" dirty="0">
-              <a:solidFill>
-                <a:srgbClr val="0D0D0D"/>
-              </a:solidFill>
-              <a:effectLst/>
-              <a:highlight>
-                <a:srgbClr val="FFFFFF"/>
-              </a:highlight>
-              <a:latin typeface="Söhne"/>
-            </a:endParaRPr>
-          </a:p>
-          <a:p>
+              <a:t>5</a:t>
+            </a:r>
+            <a:r>
+              <a:rPr lang="zh-CN" altLang="en-US" b="1" dirty="0">
+                <a:solidFill>
+                  <a:srgbClr val="0D0D0D"/>
+                </a:solidFill>
+                <a:highlight>
+                  <a:srgbClr val="FFFFFF"/>
+                </a:highlight>
+                <a:latin typeface="Söhne"/>
+              </a:rPr>
+              <a:t>、</a:t>
+            </a:r>
+            <a:r>
+              <a:rPr lang="zh-CN" altLang="en-US" dirty="0">
+                <a:solidFill>
+                  <a:srgbClr val="0D0D0D"/>
+                </a:solidFill>
+                <a:highlight>
+                  <a:srgbClr val="FFFFFF"/>
+                </a:highlight>
+                <a:latin typeface="Söhne"/>
+              </a:rPr>
+              <a:t>测试功能时要考虑全面，往往会发现很多潜在的问题。</a:t>
+            </a:r>
             <a:endParaRPr lang="en-US" altLang="zh-CN" dirty="0">
               <a:solidFill>
                 <a:srgbClr val="0D0D0D"/>
@@ -8471,57 +8327,6 @@
             </a:endParaRPr>
           </a:p>
           <a:p>
-            <a:r>
-              <a:rPr lang="zh-CN" altLang="en-US" b="0" i="0" dirty="0">
-                <a:solidFill>
-                  <a:srgbClr val="0D0D0D"/>
-                </a:solidFill>
-                <a:effectLst/>
-                <a:highlight>
-                  <a:srgbClr val="FFFFFF"/>
-                </a:highlight>
-                <a:latin typeface="Söhne"/>
-              </a:rPr>
-              <a:t>高系统安全性的方法，如验证码验证、防止</a:t>
-            </a:r>
-            <a:r>
-              <a:rPr lang="en-US" altLang="zh-CN" b="0" i="0" dirty="0" err="1">
-                <a:solidFill>
-                  <a:srgbClr val="0D0D0D"/>
-                </a:solidFill>
-                <a:effectLst/>
-                <a:highlight>
-                  <a:srgbClr val="FFFFFF"/>
-                </a:highlight>
-                <a:latin typeface="Söhne"/>
-              </a:rPr>
-              <a:t>sql</a:t>
-            </a:r>
-            <a:r>
-              <a:rPr lang="zh-CN" altLang="en-US" b="0" i="0" dirty="0">
-                <a:solidFill>
-                  <a:srgbClr val="0D0D0D"/>
-                </a:solidFill>
-                <a:effectLst/>
-                <a:highlight>
-                  <a:srgbClr val="FFFFFF"/>
-                </a:highlight>
-                <a:latin typeface="Söhne"/>
-              </a:rPr>
-              <a:t>注入。</a:t>
-            </a:r>
-            <a:endParaRPr lang="en-US" altLang="zh-CN" b="0" i="0" dirty="0">
-              <a:solidFill>
-                <a:srgbClr val="0D0D0D"/>
-              </a:solidFill>
-              <a:effectLst/>
-              <a:highlight>
-                <a:srgbClr val="FFFFFF"/>
-              </a:highlight>
-              <a:latin typeface="Söhne"/>
-            </a:endParaRPr>
-          </a:p>
-          <a:p>
             <a:endParaRPr lang="en-US" altLang="zh-CN" dirty="0">
               <a:solidFill>
                 <a:srgbClr val="0D0D0D"/>
@@ -8533,100 +8338,6 @@
             </a:endParaRPr>
           </a:p>
           <a:p>
-            <a:r>
-              <a:rPr lang="en-US" altLang="zh-CN" dirty="0">
-                <a:solidFill>
-                  <a:srgbClr val="0D0D0D"/>
-                </a:solidFill>
-                <a:highlight>
-                  <a:srgbClr val="FFFFFF"/>
-                </a:highlight>
-                <a:latin typeface="Söhne"/>
-              </a:rPr>
-              <a:t>4</a:t>
-            </a:r>
-            <a:r>
-              <a:rPr lang="zh-CN" altLang="en-US" dirty="0">
-                <a:solidFill>
-                  <a:srgbClr val="0D0D0D"/>
-                </a:solidFill>
-                <a:highlight>
-                  <a:srgbClr val="FFFFFF"/>
-                </a:highlight>
-                <a:latin typeface="Söhne"/>
-              </a:rPr>
-              <a:t>、测试功能时要考虑全面，往往会发现很多潜在的问题。</a:t>
-            </a:r>
-            <a:endParaRPr lang="en-US" altLang="zh-CN" dirty="0">
-              <a:solidFill>
-                <a:srgbClr val="0D0D0D"/>
-              </a:solidFill>
-              <a:highlight>
-                <a:srgbClr val="FFFFFF"/>
-              </a:highlight>
-              <a:latin typeface="Söhne"/>
-            </a:endParaRPr>
-          </a:p>
-          <a:p>
-            <a:endParaRPr lang="en-US" altLang="zh-CN" dirty="0">
-              <a:solidFill>
-                <a:srgbClr val="0D0D0D"/>
-              </a:solidFill>
-              <a:highlight>
-                <a:srgbClr val="FFFFFF"/>
-              </a:highlight>
-              <a:latin typeface="Söhne"/>
-            </a:endParaRPr>
-          </a:p>
-          <a:p>
-            <a:r>
-              <a:rPr lang="en-US" altLang="zh-CN" dirty="0">
-                <a:solidFill>
-                  <a:srgbClr val="0D0D0D"/>
-                </a:solidFill>
-                <a:highlight>
-                  <a:srgbClr val="FFFFFF"/>
-                </a:highlight>
-                <a:latin typeface="Söhne"/>
-              </a:rPr>
-              <a:t>5</a:t>
-            </a:r>
-            <a:r>
-              <a:rPr lang="zh-CN" altLang="en-US" dirty="0">
-                <a:solidFill>
-                  <a:srgbClr val="0D0D0D"/>
-                </a:solidFill>
-                <a:highlight>
-                  <a:srgbClr val="FFFFFF"/>
-                </a:highlight>
-                <a:latin typeface="Söhne"/>
-              </a:rPr>
-              <a:t>、对前后端交互，数据传输展示更加熟练，更加理解</a:t>
-            </a:r>
-            <a:r>
-              <a:rPr lang="en-US" altLang="zh-CN" dirty="0">
-                <a:solidFill>
-                  <a:srgbClr val="0D0D0D"/>
-                </a:solidFill>
-                <a:highlight>
-                  <a:srgbClr val="FFFFFF"/>
-                </a:highlight>
-                <a:latin typeface="Söhne"/>
-              </a:rPr>
-              <a:t>MVC</a:t>
-            </a:r>
-            <a:r>
-              <a:rPr lang="zh-CN" altLang="en-US" dirty="0">
-                <a:solidFill>
-                  <a:srgbClr val="0D0D0D"/>
-                </a:solidFill>
-                <a:highlight>
-                  <a:srgbClr val="FFFFFF"/>
-                </a:highlight>
-                <a:latin typeface="Söhne"/>
-              </a:rPr>
-              <a:t>三层架构，使整个项目逻辑更加清晰。</a:t>
-            </a:r>
             <a:endParaRPr lang="zh-CN" altLang="en-US" dirty="0"/>
           </a:p>
         </p:txBody>
@@ -8857,7 +8568,7 @@
                 <a:latin typeface="微软雅黑" panose="020B0503020204020204" pitchFamily="34" charset="-122"/>
                 <a:ea typeface="微软雅黑" panose="020B0503020204020204" pitchFamily="34" charset="-122"/>
               </a:rPr>
-              <a:t>感谢聆听</a:t>
+              <a:t>谢谢大家</a:t>
             </a:r>
           </a:p>
         </p:txBody>
@@ -11387,7 +11098,7 @@
         <p:spPr>
           <a:xfrm>
             <a:off x="-24002" y="943376"/>
-            <a:ext cx="9966288" cy="5196294"/>
+            <a:ext cx="9966288" cy="2195473"/>
           </a:xfrm>
           <a:prstGeom prst="rect">
             <a:avLst/>
@@ -11429,6 +11140,18 @@
                 <a:spcPts val="1200"/>
               </a:spcAft>
             </a:pPr>
+            <a:r>
+              <a:rPr lang="en-US" altLang="zh-CN" sz="1800" dirty="0">
+                <a:solidFill>
+                  <a:srgbClr val="1F2328"/>
+                </a:solidFill>
+                <a:effectLst/>
+                <a:latin typeface="Segoe UI" panose="020B0502040204020203" pitchFamily="34" charset="0"/>
+                <a:ea typeface="宋体" panose="02010600030101010101" pitchFamily="2" charset="-122"/>
+                <a:cs typeface="Segoe UI" panose="020B0502040204020203" pitchFamily="34" charset="0"/>
+              </a:rPr>
+              <a:t>    </a:t>
+            </a:r>
             <a:r>
               <a:rPr lang="zh-CN" altLang="zh-CN" sz="1800" dirty="0">
                 <a:solidFill>
@@ -11439,13 +11162,16 @@
                 <a:ea typeface="宋体" panose="02010600030101010101" pitchFamily="2" charset="-122"/>
                 <a:cs typeface="Segoe UI" panose="020B0502040204020203" pitchFamily="34" charset="0"/>
               </a:rPr>
-              <a:t>本项目旨在开发一个安全高效、功能丰富的资金管理系统，以满足用户对流动资金的管理需求。在数字货币日益普及的背景下，该系统将提供一个平台，让用户能够更好地管理自己的资金，并确认资金明细。</a:t>
-            </a:r>
-            <a:endParaRPr lang="zh-CN" altLang="zh-CN" sz="1800" dirty="0">
+              <a:t>本项目旨在开发一个安全高效、功能丰富的资金管理系统，以满足用户对流动资金的管理</a:t>
+            </a:r>
+            <a:endParaRPr lang="en-US" altLang="zh-CN" sz="1800" dirty="0">
+              <a:solidFill>
+                <a:srgbClr val="1F2328"/>
+              </a:solidFill>
               <a:effectLst/>
-              <a:latin typeface="宋体" panose="02010600030101010101" pitchFamily="2" charset="-122"/>
+              <a:latin typeface="Segoe UI" panose="020B0502040204020203" pitchFamily="34" charset="0"/>
               <a:ea typeface="宋体" panose="02010600030101010101" pitchFamily="2" charset="-122"/>
-              <a:cs typeface="宋体" panose="02010600030101010101" pitchFamily="2" charset="-122"/>
+              <a:cs typeface="Segoe UI" panose="020B0502040204020203" pitchFamily="34" charset="0"/>
             </a:endParaRPr>
           </a:p>
           <a:p>
@@ -11457,6 +11183,17 @@
                 <a:spcPts val="1200"/>
               </a:spcAft>
             </a:pPr>
+            <a:r>
+              <a:rPr lang="en-US" altLang="zh-CN" dirty="0">
+                <a:solidFill>
+                  <a:srgbClr val="1F2328"/>
+                </a:solidFill>
+                <a:latin typeface="Segoe UI" panose="020B0502040204020203" pitchFamily="34" charset="0"/>
+                <a:ea typeface="宋体" panose="02010600030101010101" pitchFamily="2" charset="-122"/>
+                <a:cs typeface="Segoe UI" panose="020B0502040204020203" pitchFamily="34" charset="0"/>
+              </a:rPr>
+              <a:t>    </a:t>
+            </a:r>
             <a:r>
               <a:rPr lang="zh-CN" altLang="zh-CN" sz="1800" dirty="0">
                 <a:solidFill>
@@ -11467,32 +11204,39 @@
                 <a:ea typeface="宋体" panose="02010600030101010101" pitchFamily="2" charset="-122"/>
                 <a:cs typeface="Segoe UI" panose="020B0502040204020203" pitchFamily="34" charset="0"/>
               </a:rPr>
-              <a:t>系统将包含以下几个核心模块：</a:t>
-            </a:r>
-            <a:endParaRPr lang="zh-CN" altLang="zh-CN" sz="1800" dirty="0">
+              <a:t>需求。在数字货币日益普及的背景下，该系统将提供一个平台，让用户能够更好地管理自</a:t>
+            </a:r>
+            <a:endParaRPr lang="en-US" altLang="zh-CN" sz="1800" dirty="0">
+              <a:solidFill>
+                <a:srgbClr val="1F2328"/>
+              </a:solidFill>
               <a:effectLst/>
-              <a:latin typeface="宋体" panose="02010600030101010101" pitchFamily="2" charset="-122"/>
+              <a:latin typeface="Segoe UI" panose="020B0502040204020203" pitchFamily="34" charset="0"/>
               <a:ea typeface="宋体" panose="02010600030101010101" pitchFamily="2" charset="-122"/>
-              <a:cs typeface="宋体" panose="02010600030101010101" pitchFamily="2" charset="-122"/>
+              <a:cs typeface="Segoe UI" panose="020B0502040204020203" pitchFamily="34" charset="0"/>
             </a:endParaRPr>
           </a:p>
           <a:p>
-            <a:pPr marL="342900" lvl="0" indent="-342900" fontAlgn="base">
+            <a:pPr indent="292100" fontAlgn="base">
               <a:lnSpc>
                 <a:spcPts val="2025"/>
               </a:lnSpc>
-              <a:spcBef>
+              <a:spcAft>
                 <a:spcPts val="1200"/>
-              </a:spcBef>
-              <a:spcAft>
-                <a:spcPts val="450"/>
               </a:spcAft>
-              <a:buFont typeface="+mj-lt"/>
-              <a:buAutoNum type="arabicPeriod"/>
-              <a:tabLst>
-                <a:tab pos="457200" algn="l"/>
-              </a:tabLst>
             </a:pPr>
+            <a:r>
+              <a:rPr lang="en-US" altLang="zh-CN" sz="1800" dirty="0">
+                <a:solidFill>
+                  <a:srgbClr val="1F2328"/>
+                </a:solidFill>
+                <a:effectLst/>
+                <a:latin typeface="Segoe UI" panose="020B0502040204020203" pitchFamily="34" charset="0"/>
+                <a:ea typeface="宋体" panose="02010600030101010101" pitchFamily="2" charset="-122"/>
+                <a:cs typeface="Segoe UI" panose="020B0502040204020203" pitchFamily="34" charset="0"/>
+              </a:rPr>
+              <a:t>    </a:t>
+            </a:r>
             <a:r>
               <a:rPr lang="zh-CN" altLang="zh-CN" sz="1800" dirty="0">
                 <a:solidFill>
@@ -11503,33 +11247,12 @@
                 <a:ea typeface="宋体" panose="02010600030101010101" pitchFamily="2" charset="-122"/>
                 <a:cs typeface="Segoe UI" panose="020B0502040204020203" pitchFamily="34" charset="0"/>
               </a:rPr>
-              <a:t>企业群组模块：允许普通用户申请</a:t>
-            </a:r>
-            <a:r>
-              <a:rPr lang="zh-CN" altLang="en-US" sz="1800" dirty="0">
-                <a:solidFill>
-                  <a:srgbClr val="1F2328"/>
-                </a:solidFill>
-                <a:effectLst/>
-                <a:latin typeface="Segoe UI" panose="020B0502040204020203" pitchFamily="34" charset="0"/>
-                <a:ea typeface="宋体" panose="02010600030101010101" pitchFamily="2" charset="-122"/>
-                <a:cs typeface="Segoe UI" panose="020B0502040204020203" pitchFamily="34" charset="0"/>
-              </a:rPr>
-              <a:t>创建群组</a:t>
-            </a:r>
-            <a:r>
-              <a:rPr lang="zh-CN" altLang="zh-CN" sz="1800" dirty="0">
-                <a:solidFill>
-                  <a:srgbClr val="1F2328"/>
-                </a:solidFill>
-                <a:effectLst/>
-                <a:latin typeface="Segoe UI" panose="020B0502040204020203" pitchFamily="34" charset="0"/>
-                <a:ea typeface="宋体" panose="02010600030101010101" pitchFamily="2" charset="-122"/>
-                <a:cs typeface="Segoe UI" panose="020B0502040204020203" pitchFamily="34" charset="0"/>
-              </a:rPr>
-              <a:t>成为企业群组负责人，并在群组内设置企业介绍和相关信息。有权限的人可以在群组内充值资金和收款，拉取用户进入群组，查看账单流水并选择是否打印输出。群组内还设有聊天室功能，同属于一个企业群组的用户可以进去聊天室实时进行聊天。</a:t>
-            </a:r>
-            <a:endParaRPr lang="zh-CN" altLang="zh-CN" sz="1800" dirty="0">
+              <a:t>己的资金，并确认资金明细。</a:t>
+            </a:r>
+            <a:endParaRPr lang="en-US" altLang="zh-CN" sz="1800" dirty="0">
+              <a:solidFill>
+                <a:srgbClr val="1F2328"/>
+              </a:solidFill>
               <a:effectLst/>
               <a:latin typeface="Segoe UI" panose="020B0502040204020203" pitchFamily="34" charset="0"/>
               <a:ea typeface="宋体" panose="02010600030101010101" pitchFamily="2" charset="-122"/>
@@ -11537,189 +11260,786 @@
             </a:endParaRPr>
           </a:p>
           <a:p>
-            <a:pPr marL="342900" lvl="0" indent="-342900" fontAlgn="base">
+            <a:pPr indent="292100" fontAlgn="base">
               <a:lnSpc>
                 <a:spcPts val="2025"/>
               </a:lnSpc>
-              <a:spcBef>
+              <a:spcAft>
                 <a:spcPts val="1200"/>
-              </a:spcBef>
-              <a:spcAft>
-                <a:spcPts val="450"/>
               </a:spcAft>
-              <a:buFont typeface="+mj-lt"/>
-              <a:buAutoNum type="arabicPeriod"/>
-              <a:tabLst>
-                <a:tab pos="457200" algn="l"/>
-              </a:tabLst>
             </a:pPr>
-            <a:r>
-              <a:rPr lang="zh-CN" altLang="zh-CN" sz="1800" dirty="0">
-                <a:solidFill>
-                  <a:srgbClr val="1F2328"/>
-                </a:solidFill>
-                <a:effectLst/>
-                <a:latin typeface="Segoe UI" panose="020B0502040204020203" pitchFamily="34" charset="0"/>
-                <a:ea typeface="宋体" panose="02010600030101010101" pitchFamily="2" charset="-122"/>
-                <a:cs typeface="Segoe UI" panose="020B0502040204020203" pitchFamily="34" charset="0"/>
-              </a:rPr>
-              <a:t>用户模块：用户可以设置、查看、修改个人信息，查看资金明细，分类查看账单流水并选择是否打印输出，并可以选择加入</a:t>
-            </a:r>
-            <a:r>
-              <a:rPr lang="zh-CN" altLang="en-US" sz="1800" dirty="0">
-                <a:solidFill>
-                  <a:srgbClr val="1F2328"/>
-                </a:solidFill>
-                <a:effectLst/>
-                <a:latin typeface="Segoe UI" panose="020B0502040204020203" pitchFamily="34" charset="0"/>
-                <a:ea typeface="宋体" panose="02010600030101010101" pitchFamily="2" charset="-122"/>
-                <a:cs typeface="Segoe UI" panose="020B0502040204020203" pitchFamily="34" charset="0"/>
-              </a:rPr>
-              <a:t>、</a:t>
-            </a:r>
-            <a:r>
-              <a:rPr lang="zh-CN" altLang="zh-CN" sz="1800" dirty="0">
-                <a:solidFill>
-                  <a:srgbClr val="1F2328"/>
-                </a:solidFill>
-                <a:effectLst/>
-                <a:latin typeface="Segoe UI" panose="020B0502040204020203" pitchFamily="34" charset="0"/>
-                <a:ea typeface="宋体" panose="02010600030101010101" pitchFamily="2" charset="-122"/>
-                <a:cs typeface="Segoe UI" panose="020B0502040204020203" pitchFamily="34" charset="0"/>
-              </a:rPr>
-              <a:t>退出</a:t>
-            </a:r>
-            <a:r>
-              <a:rPr lang="zh-CN" altLang="en-US" sz="1800" dirty="0">
-                <a:solidFill>
-                  <a:srgbClr val="1F2328"/>
-                </a:solidFill>
-                <a:effectLst/>
-                <a:latin typeface="Segoe UI" panose="020B0502040204020203" pitchFamily="34" charset="0"/>
-                <a:ea typeface="宋体" panose="02010600030101010101" pitchFamily="2" charset="-122"/>
-                <a:cs typeface="Segoe UI" panose="020B0502040204020203" pitchFamily="34" charset="0"/>
-              </a:rPr>
-              <a:t>或创建</a:t>
-            </a:r>
-            <a:r>
-              <a:rPr lang="zh-CN" altLang="zh-CN" sz="1800" dirty="0">
-                <a:solidFill>
-                  <a:srgbClr val="1F2328"/>
-                </a:solidFill>
-                <a:effectLst/>
-                <a:latin typeface="Segoe UI" panose="020B0502040204020203" pitchFamily="34" charset="0"/>
-                <a:ea typeface="宋体" panose="02010600030101010101" pitchFamily="2" charset="-122"/>
-                <a:cs typeface="Segoe UI" panose="020B0502040204020203" pitchFamily="34" charset="0"/>
-              </a:rPr>
-              <a:t>企业群组。</a:t>
-            </a:r>
-            <a:r>
-              <a:rPr lang="zh-CN" altLang="en-US" sz="1800" dirty="0">
-                <a:solidFill>
-                  <a:srgbClr val="1F2328"/>
-                </a:solidFill>
-                <a:effectLst/>
-                <a:latin typeface="Segoe UI" panose="020B0502040204020203" pitchFamily="34" charset="0"/>
-                <a:ea typeface="宋体" panose="02010600030101010101" pitchFamily="2" charset="-122"/>
-                <a:cs typeface="Segoe UI" panose="020B0502040204020203" pitchFamily="34" charset="0"/>
-              </a:rPr>
-              <a:t>游客只能查看和搜索公开企业。网站管理员可以设计企业，用户是否封禁，可以接受用户申请解封的邮件。</a:t>
-            </a:r>
             <a:endParaRPr lang="zh-CN" altLang="zh-CN" sz="1800" dirty="0">
               <a:effectLst/>
-              <a:latin typeface="Segoe UI" panose="020B0502040204020203" pitchFamily="34" charset="0"/>
+              <a:latin typeface="宋体" panose="02010600030101010101" pitchFamily="2" charset="-122"/>
               <a:ea typeface="宋体" panose="02010600030101010101" pitchFamily="2" charset="-122"/>
-              <a:cs typeface="Segoe UI" panose="020B0502040204020203" pitchFamily="34" charset="0"/>
+              <a:cs typeface="宋体" panose="02010600030101010101" pitchFamily="2" charset="-122"/>
             </a:endParaRPr>
           </a:p>
-          <a:p>
-            <a:pPr marL="342900" lvl="0" indent="-342900" fontAlgn="base">
-              <a:lnSpc>
-                <a:spcPts val="2025"/>
-              </a:lnSpc>
-              <a:spcBef>
-                <a:spcPts val="1200"/>
-              </a:spcBef>
-              <a:spcAft>
-                <a:spcPts val="450"/>
-              </a:spcAft>
-              <a:buFont typeface="+mj-lt"/>
-              <a:buAutoNum type="arabicPeriod"/>
-              <a:tabLst>
-                <a:tab pos="457200" algn="l"/>
-              </a:tabLst>
-            </a:pPr>
-            <a:r>
-              <a:rPr lang="zh-CN" altLang="zh-CN" sz="1800" dirty="0">
-                <a:solidFill>
-                  <a:srgbClr val="1F2328"/>
-                </a:solidFill>
-                <a:effectLst/>
-                <a:latin typeface="Segoe UI" panose="020B0502040204020203" pitchFamily="34" charset="0"/>
-                <a:ea typeface="宋体" panose="02010600030101010101" pitchFamily="2" charset="-122"/>
-                <a:cs typeface="Segoe UI" panose="020B0502040204020203" pitchFamily="34" charset="0"/>
-              </a:rPr>
-              <a:t>资</a:t>
-            </a:r>
-            <a:r>
-              <a:rPr lang="zh-CN" altLang="en-US" sz="1800" dirty="0">
-                <a:solidFill>
-                  <a:srgbClr val="1F2328"/>
-                </a:solidFill>
-                <a:effectLst/>
-                <a:latin typeface="Segoe UI" panose="020B0502040204020203" pitchFamily="34" charset="0"/>
-                <a:ea typeface="宋体" panose="02010600030101010101" pitchFamily="2" charset="-122"/>
-                <a:cs typeface="Segoe UI" panose="020B0502040204020203" pitchFamily="34" charset="0"/>
-              </a:rPr>
-              <a:t>金</a:t>
-            </a:r>
-            <a:r>
-              <a:rPr lang="zh-CN" altLang="zh-CN" sz="1800" dirty="0">
-                <a:solidFill>
-                  <a:srgbClr val="1F2328"/>
-                </a:solidFill>
-                <a:effectLst/>
-                <a:latin typeface="Segoe UI" panose="020B0502040204020203" pitchFamily="34" charset="0"/>
-                <a:ea typeface="宋体" panose="02010600030101010101" pitchFamily="2" charset="-122"/>
-                <a:cs typeface="Segoe UI" panose="020B0502040204020203" pitchFamily="34" charset="0"/>
-              </a:rPr>
-              <a:t>模块：用户可以在这里支配自己的资金，进行支出、充值、查看总资金和群组资金余额等操作。企业群组</a:t>
-            </a:r>
-            <a:r>
-              <a:rPr lang="zh-CN" altLang="en-US" sz="1800" dirty="0">
-                <a:solidFill>
-                  <a:srgbClr val="1F2328"/>
-                </a:solidFill>
-                <a:effectLst/>
-                <a:latin typeface="Segoe UI" panose="020B0502040204020203" pitchFamily="34" charset="0"/>
-                <a:ea typeface="宋体" panose="02010600030101010101" pitchFamily="2" charset="-122"/>
-                <a:cs typeface="Segoe UI" panose="020B0502040204020203" pitchFamily="34" charset="0"/>
-              </a:rPr>
-              <a:t>负责人和管理员</a:t>
-            </a:r>
-            <a:r>
-              <a:rPr lang="zh-CN" altLang="zh-CN" sz="1800" dirty="0">
-                <a:solidFill>
-                  <a:srgbClr val="1F2328"/>
-                </a:solidFill>
-                <a:effectLst/>
-                <a:latin typeface="Segoe UI" panose="020B0502040204020203" pitchFamily="34" charset="0"/>
-                <a:ea typeface="宋体" panose="02010600030101010101" pitchFamily="2" charset="-122"/>
-                <a:cs typeface="Segoe UI" panose="020B0502040204020203" pitchFamily="34" charset="0"/>
-              </a:rPr>
-              <a:t>可以充值资金到群组并分配给成员，同时查看所有资金流动明细。</a:t>
-            </a:r>
-            <a:endParaRPr lang="en-US" altLang="zh-CN" sz="1800" dirty="0">
-              <a:solidFill>
-                <a:srgbClr val="1F2328"/>
-              </a:solidFill>
-              <a:latin typeface="Segoe UI" panose="020B0502040204020203" pitchFamily="34" charset="0"/>
-              <a:ea typeface="宋体" panose="02010600030101010101" pitchFamily="2" charset="-122"/>
-              <a:cs typeface="Segoe UI" panose="020B0502040204020203" pitchFamily="34" charset="0"/>
-            </a:endParaRPr>
-          </a:p>
-        </p:txBody>
-      </p:sp>
+        </p:txBody>
+      </p:sp>
+      <p:sp>
+        <p:nvSpPr>
+          <p:cNvPr id="14" name="流程图: 过程 13">
+            <a:extLst>
+              <a:ext uri="{FF2B5EF4-FFF2-40B4-BE49-F238E27FC236}">
+                <a16:creationId xmlns:a16="http://schemas.microsoft.com/office/drawing/2014/main" id="{6CB47080-135F-155A-D0A3-C9C474FF7E88}"/>
+              </a:ext>
+            </a:extLst>
+          </p:cNvPr>
+          <p:cNvSpPr/>
+          <p:nvPr/>
+        </p:nvSpPr>
+        <p:spPr>
+          <a:xfrm>
+            <a:off x="4285129" y="2752661"/>
+            <a:ext cx="1192306" cy="582706"/>
+          </a:xfrm>
+          <a:prstGeom prst="flowChartProcess">
+            <a:avLst/>
+          </a:prstGeom>
+        </p:spPr>
+        <p:style>
+          <a:lnRef idx="2">
+            <a:schemeClr val="dk1"/>
+          </a:lnRef>
+          <a:fillRef idx="1">
+            <a:schemeClr val="lt1"/>
+          </a:fillRef>
+          <a:effectRef idx="0">
+            <a:schemeClr val="dk1"/>
+          </a:effectRef>
+          <a:fontRef idx="minor">
+            <a:schemeClr val="dk1"/>
+          </a:fontRef>
+        </p:style>
+        <p:txBody>
+          <a:bodyPr rtlCol="0" anchor="ctr"/>
+          <a:lstStyle/>
+          <a:p>
+            <a:pPr algn="ctr"/>
+            <a:r>
+              <a:rPr lang="en-US" altLang="zh-CN" dirty="0"/>
+              <a:t>QG</a:t>
+            </a:r>
+            <a:r>
+              <a:rPr lang="zh-CN" altLang="en-US" dirty="0"/>
+              <a:t>资金管理系统</a:t>
+            </a:r>
+          </a:p>
+        </p:txBody>
+      </p:sp>
+      <p:sp>
+        <p:nvSpPr>
+          <p:cNvPr id="15" name="流程图: 过程 14">
+            <a:extLst>
+              <a:ext uri="{FF2B5EF4-FFF2-40B4-BE49-F238E27FC236}">
+                <a16:creationId xmlns:a16="http://schemas.microsoft.com/office/drawing/2014/main" id="{96217692-99C4-ED45-2C2C-688CFE6F6AD6}"/>
+              </a:ext>
+            </a:extLst>
+          </p:cNvPr>
+          <p:cNvSpPr/>
+          <p:nvPr/>
+        </p:nvSpPr>
+        <p:spPr>
+          <a:xfrm>
+            <a:off x="1132106" y="3683560"/>
+            <a:ext cx="1192306" cy="582706"/>
+          </a:xfrm>
+          <a:prstGeom prst="flowChartProcess">
+            <a:avLst/>
+          </a:prstGeom>
+        </p:spPr>
+        <p:style>
+          <a:lnRef idx="2">
+            <a:schemeClr val="dk1"/>
+          </a:lnRef>
+          <a:fillRef idx="1">
+            <a:schemeClr val="lt1"/>
+          </a:fillRef>
+          <a:effectRef idx="0">
+            <a:schemeClr val="dk1"/>
+          </a:effectRef>
+          <a:fontRef idx="minor">
+            <a:schemeClr val="dk1"/>
+          </a:fontRef>
+        </p:style>
+        <p:txBody>
+          <a:bodyPr rtlCol="0" anchor="ctr"/>
+          <a:lstStyle/>
+          <a:p>
+            <a:pPr algn="ctr"/>
+            <a:r>
+              <a:rPr lang="zh-CN" altLang="en-US" dirty="0"/>
+              <a:t>企业群组模块</a:t>
+            </a:r>
+          </a:p>
+        </p:txBody>
+      </p:sp>
+      <p:sp>
+        <p:nvSpPr>
+          <p:cNvPr id="16" name="流程图: 过程 15">
+            <a:extLst>
+              <a:ext uri="{FF2B5EF4-FFF2-40B4-BE49-F238E27FC236}">
+                <a16:creationId xmlns:a16="http://schemas.microsoft.com/office/drawing/2014/main" id="{8207BDE5-9B0A-373E-2229-96B49B54ABAC}"/>
+              </a:ext>
+            </a:extLst>
+          </p:cNvPr>
+          <p:cNvSpPr/>
+          <p:nvPr/>
+        </p:nvSpPr>
+        <p:spPr>
+          <a:xfrm>
+            <a:off x="3208496" y="3683560"/>
+            <a:ext cx="1192306" cy="582706"/>
+          </a:xfrm>
+          <a:prstGeom prst="flowChartProcess">
+            <a:avLst/>
+          </a:prstGeom>
+        </p:spPr>
+        <p:style>
+          <a:lnRef idx="2">
+            <a:schemeClr val="dk1"/>
+          </a:lnRef>
+          <a:fillRef idx="1">
+            <a:schemeClr val="lt1"/>
+          </a:fillRef>
+          <a:effectRef idx="0">
+            <a:schemeClr val="dk1"/>
+          </a:effectRef>
+          <a:fontRef idx="minor">
+            <a:schemeClr val="dk1"/>
+          </a:fontRef>
+        </p:style>
+        <p:txBody>
+          <a:bodyPr rtlCol="0" anchor="ctr"/>
+          <a:lstStyle/>
+          <a:p>
+            <a:pPr algn="ctr"/>
+            <a:r>
+              <a:rPr lang="zh-CN" altLang="en-US" dirty="0"/>
+              <a:t>用户模块</a:t>
+            </a:r>
+          </a:p>
+        </p:txBody>
+      </p:sp>
+      <p:sp>
+        <p:nvSpPr>
+          <p:cNvPr id="18" name="流程图: 过程 17">
+            <a:extLst>
+              <a:ext uri="{FF2B5EF4-FFF2-40B4-BE49-F238E27FC236}">
+                <a16:creationId xmlns:a16="http://schemas.microsoft.com/office/drawing/2014/main" id="{49CD2387-C428-B600-D5EC-636FC12F6595}"/>
+              </a:ext>
+            </a:extLst>
+          </p:cNvPr>
+          <p:cNvSpPr/>
+          <p:nvPr/>
+        </p:nvSpPr>
+        <p:spPr>
+          <a:xfrm>
+            <a:off x="5400881" y="3683560"/>
+            <a:ext cx="1192306" cy="582706"/>
+          </a:xfrm>
+          <a:prstGeom prst="flowChartProcess">
+            <a:avLst/>
+          </a:prstGeom>
+        </p:spPr>
+        <p:style>
+          <a:lnRef idx="2">
+            <a:schemeClr val="dk1"/>
+          </a:lnRef>
+          <a:fillRef idx="1">
+            <a:schemeClr val="lt1"/>
+          </a:fillRef>
+          <a:effectRef idx="0">
+            <a:schemeClr val="dk1"/>
+          </a:effectRef>
+          <a:fontRef idx="minor">
+            <a:schemeClr val="dk1"/>
+          </a:fontRef>
+        </p:style>
+        <p:txBody>
+          <a:bodyPr rtlCol="0" anchor="ctr"/>
+          <a:lstStyle/>
+          <a:p>
+            <a:pPr algn="ctr"/>
+            <a:r>
+              <a:rPr lang="zh-CN" altLang="en-US" dirty="0"/>
+              <a:t>资金模块</a:t>
+            </a:r>
+          </a:p>
+        </p:txBody>
+      </p:sp>
+      <p:sp>
+        <p:nvSpPr>
+          <p:cNvPr id="20" name="流程图: 过程 19">
+            <a:extLst>
+              <a:ext uri="{FF2B5EF4-FFF2-40B4-BE49-F238E27FC236}">
+                <a16:creationId xmlns:a16="http://schemas.microsoft.com/office/drawing/2014/main" id="{675D1E16-252C-D943-5840-AE97379B2AB7}"/>
+              </a:ext>
+            </a:extLst>
+          </p:cNvPr>
+          <p:cNvSpPr/>
+          <p:nvPr/>
+        </p:nvSpPr>
+        <p:spPr>
+          <a:xfrm>
+            <a:off x="7456714" y="3683560"/>
+            <a:ext cx="1192306" cy="582706"/>
+          </a:xfrm>
+          <a:prstGeom prst="flowChartProcess">
+            <a:avLst/>
+          </a:prstGeom>
+        </p:spPr>
+        <p:style>
+          <a:lnRef idx="2">
+            <a:schemeClr val="dk1"/>
+          </a:lnRef>
+          <a:fillRef idx="1">
+            <a:schemeClr val="lt1"/>
+          </a:fillRef>
+          <a:effectRef idx="0">
+            <a:schemeClr val="dk1"/>
+          </a:effectRef>
+          <a:fontRef idx="minor">
+            <a:schemeClr val="dk1"/>
+          </a:fontRef>
+        </p:style>
+        <p:txBody>
+          <a:bodyPr rtlCol="0" anchor="ctr"/>
+          <a:lstStyle/>
+          <a:p>
+            <a:pPr algn="ctr"/>
+            <a:r>
+              <a:rPr lang="zh-CN" altLang="en-US" dirty="0"/>
+              <a:t>管理员模块</a:t>
+            </a:r>
+          </a:p>
+        </p:txBody>
+      </p:sp>
+      <p:cxnSp>
+        <p:nvCxnSpPr>
+          <p:cNvPr id="31" name="连接符: 肘形 30">
+            <a:extLst>
+              <a:ext uri="{FF2B5EF4-FFF2-40B4-BE49-F238E27FC236}">
+                <a16:creationId xmlns:a16="http://schemas.microsoft.com/office/drawing/2014/main" id="{DE635C88-2789-DF80-7705-659F11B1B80C}"/>
+              </a:ext>
+            </a:extLst>
+          </p:cNvPr>
+          <p:cNvCxnSpPr>
+            <a:stCxn id="14" idx="2"/>
+            <a:endCxn id="15" idx="0"/>
+          </p:cNvCxnSpPr>
+          <p:nvPr/>
+        </p:nvCxnSpPr>
+        <p:spPr>
+          <a:xfrm rot="5400000">
+            <a:off x="3130675" y="1932952"/>
+            <a:ext cx="348193" cy="3153023"/>
+          </a:xfrm>
+          <a:prstGeom prst="bentConnector3">
+            <a:avLst/>
+          </a:prstGeom>
+          <a:ln>
+            <a:tailEnd type="triangle"/>
+          </a:ln>
+        </p:spPr>
+        <p:style>
+          <a:lnRef idx="1">
+            <a:schemeClr val="dk1"/>
+          </a:lnRef>
+          <a:fillRef idx="0">
+            <a:schemeClr val="dk1"/>
+          </a:fillRef>
+          <a:effectRef idx="0">
+            <a:schemeClr val="dk1"/>
+          </a:effectRef>
+          <a:fontRef idx="minor">
+            <a:schemeClr val="tx1"/>
+          </a:fontRef>
+        </p:style>
+      </p:cxnSp>
+      <p:cxnSp>
+        <p:nvCxnSpPr>
+          <p:cNvPr id="33" name="连接符: 肘形 32">
+            <a:extLst>
+              <a:ext uri="{FF2B5EF4-FFF2-40B4-BE49-F238E27FC236}">
+                <a16:creationId xmlns:a16="http://schemas.microsoft.com/office/drawing/2014/main" id="{757D4D54-6C82-230B-5762-54F5D301EEE0}"/>
+              </a:ext>
+            </a:extLst>
+          </p:cNvPr>
+          <p:cNvCxnSpPr>
+            <a:stCxn id="14" idx="2"/>
+            <a:endCxn id="16" idx="0"/>
+          </p:cNvCxnSpPr>
+          <p:nvPr/>
+        </p:nvCxnSpPr>
+        <p:spPr>
+          <a:xfrm rot="5400000">
+            <a:off x="4168870" y="2971147"/>
+            <a:ext cx="348193" cy="1076633"/>
+          </a:xfrm>
+          <a:prstGeom prst="bentConnector3">
+            <a:avLst/>
+          </a:prstGeom>
+          <a:ln>
+            <a:tailEnd type="triangle"/>
+          </a:ln>
+        </p:spPr>
+        <p:style>
+          <a:lnRef idx="1">
+            <a:schemeClr val="dk1"/>
+          </a:lnRef>
+          <a:fillRef idx="0">
+            <a:schemeClr val="dk1"/>
+          </a:fillRef>
+          <a:effectRef idx="0">
+            <a:schemeClr val="dk1"/>
+          </a:effectRef>
+          <a:fontRef idx="minor">
+            <a:schemeClr val="tx1"/>
+          </a:fontRef>
+        </p:style>
+      </p:cxnSp>
+      <p:cxnSp>
+        <p:nvCxnSpPr>
+          <p:cNvPr id="39" name="连接符: 肘形 38">
+            <a:extLst>
+              <a:ext uri="{FF2B5EF4-FFF2-40B4-BE49-F238E27FC236}">
+                <a16:creationId xmlns:a16="http://schemas.microsoft.com/office/drawing/2014/main" id="{63E6B16F-2334-68B6-1641-FD2667D3F5E3}"/>
+              </a:ext>
+            </a:extLst>
+          </p:cNvPr>
+          <p:cNvCxnSpPr>
+            <a:stCxn id="14" idx="2"/>
+            <a:endCxn id="18" idx="0"/>
+          </p:cNvCxnSpPr>
+          <p:nvPr/>
+        </p:nvCxnSpPr>
+        <p:spPr>
+          <a:xfrm rot="16200000" flipH="1">
+            <a:off x="5265062" y="2951587"/>
+            <a:ext cx="348193" cy="1115752"/>
+          </a:xfrm>
+          <a:prstGeom prst="bentConnector3">
+            <a:avLst/>
+          </a:prstGeom>
+          <a:ln>
+            <a:tailEnd type="triangle"/>
+          </a:ln>
+        </p:spPr>
+        <p:style>
+          <a:lnRef idx="1">
+            <a:schemeClr val="dk1"/>
+          </a:lnRef>
+          <a:fillRef idx="0">
+            <a:schemeClr val="dk1"/>
+          </a:fillRef>
+          <a:effectRef idx="0">
+            <a:schemeClr val="dk1"/>
+          </a:effectRef>
+          <a:fontRef idx="minor">
+            <a:schemeClr val="tx1"/>
+          </a:fontRef>
+        </p:style>
+      </p:cxnSp>
+      <p:cxnSp>
+        <p:nvCxnSpPr>
+          <p:cNvPr id="41" name="连接符: 肘形 40">
+            <a:extLst>
+              <a:ext uri="{FF2B5EF4-FFF2-40B4-BE49-F238E27FC236}">
+                <a16:creationId xmlns:a16="http://schemas.microsoft.com/office/drawing/2014/main" id="{559026A9-C3D5-28E1-4CD8-0D6157029050}"/>
+              </a:ext>
+            </a:extLst>
+          </p:cNvPr>
+          <p:cNvCxnSpPr>
+            <a:stCxn id="14" idx="2"/>
+            <a:endCxn id="20" idx="0"/>
+          </p:cNvCxnSpPr>
+          <p:nvPr/>
+        </p:nvCxnSpPr>
+        <p:spPr>
+          <a:xfrm rot="16200000" flipH="1">
+            <a:off x="6292978" y="1923670"/>
+            <a:ext cx="348193" cy="3171585"/>
+          </a:xfrm>
+          <a:prstGeom prst="bentConnector3">
+            <a:avLst/>
+          </a:prstGeom>
+          <a:ln>
+            <a:tailEnd type="triangle"/>
+          </a:ln>
+        </p:spPr>
+        <p:style>
+          <a:lnRef idx="1">
+            <a:schemeClr val="dk1"/>
+          </a:lnRef>
+          <a:fillRef idx="0">
+            <a:schemeClr val="dk1"/>
+          </a:fillRef>
+          <a:effectRef idx="0">
+            <a:schemeClr val="dk1"/>
+          </a:effectRef>
+          <a:fontRef idx="minor">
+            <a:schemeClr val="tx1"/>
+          </a:fontRef>
+        </p:style>
+      </p:cxnSp>
+      <p:sp>
+        <p:nvSpPr>
+          <p:cNvPr id="45" name="流程图: 过程 44">
+            <a:extLst>
+              <a:ext uri="{FF2B5EF4-FFF2-40B4-BE49-F238E27FC236}">
+                <a16:creationId xmlns:a16="http://schemas.microsoft.com/office/drawing/2014/main" id="{CD01338A-226A-BFE6-6A0A-B7118D27E78F}"/>
+              </a:ext>
+            </a:extLst>
+          </p:cNvPr>
+          <p:cNvSpPr/>
+          <p:nvPr/>
+        </p:nvSpPr>
+        <p:spPr>
+          <a:xfrm>
+            <a:off x="5400882" y="4853299"/>
+            <a:ext cx="1192306" cy="582706"/>
+          </a:xfrm>
+          <a:prstGeom prst="flowChartProcess">
+            <a:avLst/>
+          </a:prstGeom>
+        </p:spPr>
+        <p:style>
+          <a:lnRef idx="2">
+            <a:schemeClr val="dk1"/>
+          </a:lnRef>
+          <a:fillRef idx="1">
+            <a:schemeClr val="lt1"/>
+          </a:fillRef>
+          <a:effectRef idx="0">
+            <a:schemeClr val="dk1"/>
+          </a:effectRef>
+          <a:fontRef idx="minor">
+            <a:schemeClr val="dk1"/>
+          </a:fontRef>
+        </p:style>
+        <p:txBody>
+          <a:bodyPr rtlCol="0" anchor="ctr"/>
+          <a:lstStyle/>
+          <a:p>
+            <a:pPr algn="ctr"/>
+            <a:r>
+              <a:rPr lang="zh-CN" altLang="en-US" dirty="0"/>
+              <a:t>支付、收款、充值</a:t>
+            </a:r>
+          </a:p>
+        </p:txBody>
+      </p:sp>
+      <p:sp>
+        <p:nvSpPr>
+          <p:cNvPr id="48" name="流程图: 过程 47">
+            <a:extLst>
+              <a:ext uri="{FF2B5EF4-FFF2-40B4-BE49-F238E27FC236}">
+                <a16:creationId xmlns:a16="http://schemas.microsoft.com/office/drawing/2014/main" id="{C4D26E55-7387-54C2-F57B-DA4BD5C0F328}"/>
+              </a:ext>
+            </a:extLst>
+          </p:cNvPr>
+          <p:cNvSpPr/>
+          <p:nvPr/>
+        </p:nvSpPr>
+        <p:spPr>
+          <a:xfrm>
+            <a:off x="7456714" y="4852365"/>
+            <a:ext cx="1192306" cy="582706"/>
+          </a:xfrm>
+          <a:prstGeom prst="flowChartProcess">
+            <a:avLst/>
+          </a:prstGeom>
+        </p:spPr>
+        <p:style>
+          <a:lnRef idx="2">
+            <a:schemeClr val="dk1"/>
+          </a:lnRef>
+          <a:fillRef idx="1">
+            <a:schemeClr val="lt1"/>
+          </a:fillRef>
+          <a:effectRef idx="0">
+            <a:schemeClr val="dk1"/>
+          </a:effectRef>
+          <a:fontRef idx="minor">
+            <a:schemeClr val="dk1"/>
+          </a:fontRef>
+        </p:style>
+        <p:txBody>
+          <a:bodyPr rtlCol="0" anchor="ctr"/>
+          <a:lstStyle/>
+          <a:p>
+            <a:pPr algn="ctr"/>
+            <a:r>
+              <a:rPr lang="zh-CN" altLang="en-US" dirty="0"/>
+              <a:t>管理用户及企业</a:t>
+            </a:r>
+          </a:p>
+        </p:txBody>
+      </p:sp>
+      <p:sp>
+        <p:nvSpPr>
+          <p:cNvPr id="50" name="流程图: 过程 49">
+            <a:extLst>
+              <a:ext uri="{FF2B5EF4-FFF2-40B4-BE49-F238E27FC236}">
+                <a16:creationId xmlns:a16="http://schemas.microsoft.com/office/drawing/2014/main" id="{94E7E198-897F-BE1D-86CD-47E27FCA170A}"/>
+              </a:ext>
+            </a:extLst>
+          </p:cNvPr>
+          <p:cNvSpPr/>
+          <p:nvPr/>
+        </p:nvSpPr>
+        <p:spPr>
+          <a:xfrm>
+            <a:off x="3208497" y="4853890"/>
+            <a:ext cx="1192306" cy="582706"/>
+          </a:xfrm>
+          <a:prstGeom prst="flowChartProcess">
+            <a:avLst/>
+          </a:prstGeom>
+        </p:spPr>
+        <p:style>
+          <a:lnRef idx="2">
+            <a:schemeClr val="dk1"/>
+          </a:lnRef>
+          <a:fillRef idx="1">
+            <a:schemeClr val="lt1"/>
+          </a:fillRef>
+          <a:effectRef idx="0">
+            <a:schemeClr val="dk1"/>
+          </a:effectRef>
+          <a:fontRef idx="minor">
+            <a:schemeClr val="dk1"/>
+          </a:fontRef>
+        </p:style>
+        <p:txBody>
+          <a:bodyPr rtlCol="0" anchor="ctr"/>
+          <a:lstStyle/>
+          <a:p>
+            <a:pPr algn="ctr"/>
+            <a:r>
+              <a:rPr lang="zh-CN" altLang="en-US" dirty="0"/>
+              <a:t>设置个人信息</a:t>
+            </a:r>
+          </a:p>
+        </p:txBody>
+      </p:sp>
+      <p:sp>
+        <p:nvSpPr>
+          <p:cNvPr id="55" name="流程图: 过程 54">
+            <a:extLst>
+              <a:ext uri="{FF2B5EF4-FFF2-40B4-BE49-F238E27FC236}">
+                <a16:creationId xmlns:a16="http://schemas.microsoft.com/office/drawing/2014/main" id="{D286804D-DFE8-C1A1-F7DD-16B3CBB78FE2}"/>
+              </a:ext>
+            </a:extLst>
+          </p:cNvPr>
+          <p:cNvSpPr/>
+          <p:nvPr/>
+        </p:nvSpPr>
+        <p:spPr>
+          <a:xfrm>
+            <a:off x="1132106" y="4851431"/>
+            <a:ext cx="1192306" cy="582706"/>
+          </a:xfrm>
+          <a:prstGeom prst="flowChartProcess">
+            <a:avLst/>
+          </a:prstGeom>
+        </p:spPr>
+        <p:style>
+          <a:lnRef idx="2">
+            <a:schemeClr val="dk1"/>
+          </a:lnRef>
+          <a:fillRef idx="1">
+            <a:schemeClr val="lt1"/>
+          </a:fillRef>
+          <a:effectRef idx="0">
+            <a:schemeClr val="dk1"/>
+          </a:effectRef>
+          <a:fontRef idx="minor">
+            <a:schemeClr val="dk1"/>
+          </a:fontRef>
+        </p:style>
+        <p:txBody>
+          <a:bodyPr rtlCol="0" anchor="ctr"/>
+          <a:lstStyle/>
+          <a:p>
+            <a:pPr algn="ctr"/>
+            <a:r>
+              <a:rPr lang="zh-CN" altLang="en-US" dirty="0"/>
+              <a:t>创建、加入、退出</a:t>
+            </a:r>
+          </a:p>
+        </p:txBody>
+      </p:sp>
+      <p:cxnSp>
+        <p:nvCxnSpPr>
+          <p:cNvPr id="57" name="直接箭头连接符 56">
+            <a:extLst>
+              <a:ext uri="{FF2B5EF4-FFF2-40B4-BE49-F238E27FC236}">
+                <a16:creationId xmlns:a16="http://schemas.microsoft.com/office/drawing/2014/main" id="{262A2DC3-CE08-70B8-1DBD-77599A030844}"/>
+              </a:ext>
+            </a:extLst>
+          </p:cNvPr>
+          <p:cNvCxnSpPr>
+            <a:stCxn id="15" idx="2"/>
+            <a:endCxn id="55" idx="0"/>
+          </p:cNvCxnSpPr>
+          <p:nvPr/>
+        </p:nvCxnSpPr>
+        <p:spPr>
+          <a:xfrm>
+            <a:off x="1728259" y="4266266"/>
+            <a:ext cx="0" cy="585165"/>
+          </a:xfrm>
+          <a:prstGeom prst="straightConnector1">
+            <a:avLst/>
+          </a:prstGeom>
+          <a:ln>
+            <a:tailEnd type="triangle"/>
+          </a:ln>
+        </p:spPr>
+        <p:style>
+          <a:lnRef idx="1">
+            <a:schemeClr val="dk1"/>
+          </a:lnRef>
+          <a:fillRef idx="0">
+            <a:schemeClr val="dk1"/>
+          </a:fillRef>
+          <a:effectRef idx="0">
+            <a:schemeClr val="dk1"/>
+          </a:effectRef>
+          <a:fontRef idx="minor">
+            <a:schemeClr val="tx1"/>
+          </a:fontRef>
+        </p:style>
+      </p:cxnSp>
+      <p:cxnSp>
+        <p:nvCxnSpPr>
+          <p:cNvPr id="66" name="直接箭头连接符 65">
+            <a:extLst>
+              <a:ext uri="{FF2B5EF4-FFF2-40B4-BE49-F238E27FC236}">
+                <a16:creationId xmlns:a16="http://schemas.microsoft.com/office/drawing/2014/main" id="{CB4DC87D-6BEE-29FB-9984-71F3625BDB92}"/>
+              </a:ext>
+            </a:extLst>
+          </p:cNvPr>
+          <p:cNvCxnSpPr>
+            <a:stCxn id="16" idx="2"/>
+            <a:endCxn id="50" idx="0"/>
+          </p:cNvCxnSpPr>
+          <p:nvPr/>
+        </p:nvCxnSpPr>
+        <p:spPr>
+          <a:xfrm>
+            <a:off x="3804649" y="4266266"/>
+            <a:ext cx="1" cy="587624"/>
+          </a:xfrm>
+          <a:prstGeom prst="straightConnector1">
+            <a:avLst/>
+          </a:prstGeom>
+          <a:ln>
+            <a:tailEnd type="triangle"/>
+          </a:ln>
+        </p:spPr>
+        <p:style>
+          <a:lnRef idx="1">
+            <a:schemeClr val="dk1"/>
+          </a:lnRef>
+          <a:fillRef idx="0">
+            <a:schemeClr val="dk1"/>
+          </a:fillRef>
+          <a:effectRef idx="0">
+            <a:schemeClr val="dk1"/>
+          </a:effectRef>
+          <a:fontRef idx="minor">
+            <a:schemeClr val="tx1"/>
+          </a:fontRef>
+        </p:style>
+      </p:cxnSp>
+      <p:cxnSp>
+        <p:nvCxnSpPr>
+          <p:cNvPr id="71" name="直接箭头连接符 70">
+            <a:extLst>
+              <a:ext uri="{FF2B5EF4-FFF2-40B4-BE49-F238E27FC236}">
+                <a16:creationId xmlns:a16="http://schemas.microsoft.com/office/drawing/2014/main" id="{5E853E7F-340E-3ED0-147A-4F8B8D3B70E6}"/>
+              </a:ext>
+            </a:extLst>
+          </p:cNvPr>
+          <p:cNvCxnSpPr>
+            <a:stCxn id="18" idx="2"/>
+            <a:endCxn id="45" idx="0"/>
+          </p:cNvCxnSpPr>
+          <p:nvPr/>
+        </p:nvCxnSpPr>
+        <p:spPr>
+          <a:xfrm>
+            <a:off x="5997034" y="4266266"/>
+            <a:ext cx="1" cy="587033"/>
+          </a:xfrm>
+          <a:prstGeom prst="straightConnector1">
+            <a:avLst/>
+          </a:prstGeom>
+          <a:ln>
+            <a:tailEnd type="triangle"/>
+          </a:ln>
+        </p:spPr>
+        <p:style>
+          <a:lnRef idx="1">
+            <a:schemeClr val="dk1"/>
+          </a:lnRef>
+          <a:fillRef idx="0">
+            <a:schemeClr val="dk1"/>
+          </a:fillRef>
+          <a:effectRef idx="0">
+            <a:schemeClr val="dk1"/>
+          </a:effectRef>
+          <a:fontRef idx="minor">
+            <a:schemeClr val="tx1"/>
+          </a:fontRef>
+        </p:style>
+      </p:cxnSp>
+      <p:cxnSp>
+        <p:nvCxnSpPr>
+          <p:cNvPr id="73" name="直接箭头连接符 72">
+            <a:extLst>
+              <a:ext uri="{FF2B5EF4-FFF2-40B4-BE49-F238E27FC236}">
+                <a16:creationId xmlns:a16="http://schemas.microsoft.com/office/drawing/2014/main" id="{FBDB9E56-EB56-2F4A-EE71-C767476175AE}"/>
+              </a:ext>
+            </a:extLst>
+          </p:cNvPr>
+          <p:cNvCxnSpPr>
+            <a:stCxn id="20" idx="2"/>
+            <a:endCxn id="48" idx="0"/>
+          </p:cNvCxnSpPr>
+          <p:nvPr/>
+        </p:nvCxnSpPr>
+        <p:spPr>
+          <a:xfrm>
+            <a:off x="8052867" y="4266266"/>
+            <a:ext cx="0" cy="586099"/>
+          </a:xfrm>
+          <a:prstGeom prst="straightConnector1">
+            <a:avLst/>
+          </a:prstGeom>
+          <a:ln>
+            <a:tailEnd type="triangle"/>
+          </a:ln>
+        </p:spPr>
+        <p:style>
+          <a:lnRef idx="1">
+            <a:schemeClr val="dk1"/>
+          </a:lnRef>
+          <a:fillRef idx="0">
+            <a:schemeClr val="dk1"/>
+          </a:fillRef>
+          <a:effectRef idx="0">
+            <a:schemeClr val="dk1"/>
+          </a:effectRef>
+          <a:fontRef idx="minor">
+            <a:schemeClr val="tx1"/>
+          </a:fontRef>
+        </p:style>
+      </p:cxnSp>
     </p:spTree>
     <p:extLst>
       <p:ext uri="{BB962C8B-B14F-4D97-AF65-F5344CB8AC3E}">
@@ -12684,8 +13004,8 @@
         </p:nvSpPr>
         <p:spPr>
           <a:xfrm>
-            <a:off x="416223" y="1238542"/>
-            <a:ext cx="9129238" cy="5632311"/>
+            <a:off x="714301" y="1109809"/>
+            <a:ext cx="9129238" cy="646331"/>
           </a:xfrm>
           <a:prstGeom prst="rect">
             <a:avLst/>
@@ -12708,246 +13028,656 @@
                 <a:latin typeface="宋体" panose="02010600030101010101" pitchFamily="2" charset="-122"/>
                 <a:ea typeface="宋体" panose="02010600030101010101" pitchFamily="2" charset="-122"/>
               </a:rPr>
-              <a:t>设计思路大概分为以下五点</a:t>
-            </a:r>
-            <a:endParaRPr lang="en-US" altLang="zh-CN" b="1" i="0" dirty="0">
-              <a:effectLst/>
+              <a:t>设计思路流程图如下：</a:t>
+            </a:r>
+            <a:endParaRPr lang="en-US" altLang="zh-CN" b="1" dirty="0">
               <a:latin typeface="宋体" panose="02010600030101010101" pitchFamily="2" charset="-122"/>
               <a:ea typeface="宋体" panose="02010600030101010101" pitchFamily="2" charset="-122"/>
             </a:endParaRPr>
           </a:p>
           <a:p>
             <a:pPr algn="l"/>
-            <a:endParaRPr lang="en-US" altLang="zh-CN" i="0" dirty="0">
-              <a:effectLst/>
-              <a:latin typeface="宋体" panose="02010600030101010101" pitchFamily="2" charset="-122"/>
-              <a:ea typeface="宋体" panose="02010600030101010101" pitchFamily="2" charset="-122"/>
-            </a:endParaRPr>
-          </a:p>
-          <a:p>
-            <a:pPr algn="l"/>
-            <a:r>
-              <a:rPr lang="en-US" altLang="zh-CN" i="0" dirty="0">
-                <a:effectLst/>
+            <a:r>
+              <a:rPr lang="en-US" altLang="zh-CN" b="1" dirty="0">
                 <a:latin typeface="宋体" panose="02010600030101010101" pitchFamily="2" charset="-122"/>
                 <a:ea typeface="宋体" panose="02010600030101010101" pitchFamily="2" charset="-122"/>
               </a:rPr>
-              <a:t>1</a:t>
-            </a:r>
-            <a:r>
-              <a:rPr lang="zh-CN" altLang="en-US" i="0" dirty="0">
-                <a:effectLst/>
-                <a:latin typeface="宋体" panose="02010600030101010101" pitchFamily="2" charset="-122"/>
-                <a:ea typeface="宋体" panose="02010600030101010101" pitchFamily="2" charset="-122"/>
-              </a:rPr>
-              <a:t>、前端使用</a:t>
+              <a:t>                    </a:t>
             </a:r>
             <a:r>
               <a:rPr lang="en-US" altLang="zh-CN" dirty="0">
                 <a:latin typeface="宋体" panose="02010600030101010101" pitchFamily="2" charset="-122"/>
                 <a:ea typeface="宋体" panose="02010600030101010101" pitchFamily="2" charset="-122"/>
               </a:rPr>
-              <a:t>j</a:t>
-            </a:r>
-            <a:r>
-              <a:rPr lang="en-US" altLang="zh-CN" i="0" dirty="0">
-                <a:effectLst/>
-                <a:latin typeface="宋体" panose="02010600030101010101" pitchFamily="2" charset="-122"/>
-                <a:ea typeface="宋体" panose="02010600030101010101" pitchFamily="2" charset="-122"/>
-              </a:rPr>
-              <a:t>Query</a:t>
-            </a:r>
-            <a:r>
-              <a:rPr lang="zh-CN" altLang="en-US" i="0" dirty="0">
-                <a:effectLst/>
-                <a:latin typeface="宋体" panose="02010600030101010101" pitchFamily="2" charset="-122"/>
-                <a:ea typeface="宋体" panose="02010600030101010101" pitchFamily="2" charset="-122"/>
-              </a:rPr>
-              <a:t>框架，使用</a:t>
-            </a:r>
-            <a:r>
-              <a:rPr lang="en-US" altLang="zh-CN" i="0" dirty="0">
-                <a:effectLst/>
-                <a:latin typeface="宋体" panose="02010600030101010101" pitchFamily="2" charset="-122"/>
-                <a:ea typeface="宋体" panose="02010600030101010101" pitchFamily="2" charset="-122"/>
-              </a:rPr>
-              <a:t>ajax</a:t>
-            </a:r>
-            <a:r>
-              <a:rPr lang="zh-CN" altLang="en-US" i="0" dirty="0">
-                <a:effectLst/>
-                <a:latin typeface="宋体" panose="02010600030101010101" pitchFamily="2" charset="-122"/>
-                <a:ea typeface="宋体" panose="02010600030101010101" pitchFamily="2" charset="-122"/>
-              </a:rPr>
-              <a:t>发送请求与后端交互。后端采用传统的</a:t>
-            </a:r>
-            <a:r>
-              <a:rPr lang="en-US" altLang="zh-CN" i="0" dirty="0">
-                <a:effectLst/>
-                <a:latin typeface="宋体" panose="02010600030101010101" pitchFamily="2" charset="-122"/>
-                <a:ea typeface="宋体" panose="02010600030101010101" pitchFamily="2" charset="-122"/>
-              </a:rPr>
-              <a:t>Servlet</a:t>
-            </a:r>
-            <a:r>
-              <a:rPr lang="zh-CN" altLang="en-US" i="0" dirty="0">
-                <a:effectLst/>
-                <a:latin typeface="宋体" panose="02010600030101010101" pitchFamily="2" charset="-122"/>
-                <a:ea typeface="宋体" panose="02010600030101010101" pitchFamily="2" charset="-122"/>
-              </a:rPr>
-              <a:t>和</a:t>
-            </a:r>
-            <a:r>
-              <a:rPr lang="en-US" altLang="zh-CN" i="0" dirty="0">
-                <a:effectLst/>
-                <a:latin typeface="宋体" panose="02010600030101010101" pitchFamily="2" charset="-122"/>
-                <a:ea typeface="宋体" panose="02010600030101010101" pitchFamily="2" charset="-122"/>
-              </a:rPr>
-              <a:t>MVC</a:t>
-            </a:r>
-            <a:r>
-              <a:rPr lang="zh-CN" altLang="en-US" i="0" dirty="0">
-                <a:effectLst/>
-                <a:latin typeface="宋体" panose="02010600030101010101" pitchFamily="2" charset="-122"/>
-                <a:ea typeface="宋体" panose="02010600030101010101" pitchFamily="2" charset="-122"/>
-              </a:rPr>
-              <a:t>三层架构进行开发</a:t>
-            </a:r>
-            <a:endParaRPr lang="en-US" altLang="zh-CN" i="0" dirty="0">
-              <a:effectLst/>
-              <a:latin typeface="宋体" panose="02010600030101010101" pitchFamily="2" charset="-122"/>
-              <a:ea typeface="宋体" panose="02010600030101010101" pitchFamily="2" charset="-122"/>
-            </a:endParaRPr>
-          </a:p>
-          <a:p>
-            <a:pPr algn="l"/>
-            <a:endParaRPr lang="en-US" altLang="zh-CN" i="0" dirty="0">
-              <a:effectLst/>
-              <a:latin typeface="宋体" panose="02010600030101010101" pitchFamily="2" charset="-122"/>
-              <a:ea typeface="宋体" panose="02010600030101010101" pitchFamily="2" charset="-122"/>
-            </a:endParaRPr>
-          </a:p>
-          <a:p>
-            <a:pPr algn="l"/>
-            <a:r>
-              <a:rPr lang="en-US" altLang="zh-CN" i="0" dirty="0">
-                <a:effectLst/>
-                <a:latin typeface="宋体" panose="02010600030101010101" pitchFamily="2" charset="-122"/>
-                <a:ea typeface="宋体" panose="02010600030101010101" pitchFamily="2" charset="-122"/>
-              </a:rPr>
-              <a:t>2</a:t>
-            </a:r>
-            <a:r>
-              <a:rPr lang="zh-CN" altLang="en-US" i="0" dirty="0">
-                <a:effectLst/>
-                <a:latin typeface="宋体" panose="02010600030101010101" pitchFamily="2" charset="-122"/>
-                <a:ea typeface="宋体" panose="02010600030101010101" pitchFamily="2" charset="-122"/>
-              </a:rPr>
-              <a:t>、首先拿到项目时，先分析整个系统要实现的功能，从而确定数据库需要用到哪些表，表中需要存哪些数据。然后仔细思考从哪开始下手实现，规划好后面每天需要实现的功能。</a:t>
-            </a:r>
-          </a:p>
-          <a:p>
-            <a:pPr algn="l"/>
-            <a:endParaRPr lang="en-US" altLang="zh-CN" i="0" dirty="0">
-              <a:effectLst/>
-              <a:latin typeface="宋体" panose="02010600030101010101" pitchFamily="2" charset="-122"/>
-              <a:ea typeface="宋体" panose="02010600030101010101" pitchFamily="2" charset="-122"/>
-            </a:endParaRPr>
-          </a:p>
-          <a:p>
-            <a:pPr algn="l"/>
-            <a:r>
-              <a:rPr lang="en-US" altLang="zh-CN" i="0" dirty="0">
-                <a:effectLst/>
-                <a:latin typeface="宋体" panose="02010600030101010101" pitchFamily="2" charset="-122"/>
-                <a:ea typeface="宋体" panose="02010600030101010101" pitchFamily="2" charset="-122"/>
-              </a:rPr>
-              <a:t>3</a:t>
-            </a:r>
-            <a:r>
-              <a:rPr lang="zh-CN" altLang="en-US" i="0" dirty="0">
-                <a:effectLst/>
-                <a:latin typeface="宋体" panose="02010600030101010101" pitchFamily="2" charset="-122"/>
-                <a:ea typeface="宋体" panose="02010600030101010101" pitchFamily="2" charset="-122"/>
-              </a:rPr>
-              <a:t>、经过考虑之后，从最简单的功能开始，一点一点往系统里面加东西。在着手写后端代码之前，先将一些功能所对应的前端页面简单的搭建出来，这样能更好的知道哪些数据需要传输，功能该怎样实现。最开始先把用户基本的登录、注册、找回密码完成，然后再搭建出用户中心，展示用户的基本信息，进而再实现用户可以修改基本信息的功能。之后再逐步实现企业群组，资金流动，网站管理员相关的功能。</a:t>
-            </a:r>
-          </a:p>
-          <a:p>
-            <a:pPr algn="l"/>
-            <a:endParaRPr lang="en-US" altLang="zh-CN" i="0" dirty="0">
-              <a:effectLst/>
-              <a:latin typeface="宋体" panose="02010600030101010101" pitchFamily="2" charset="-122"/>
-              <a:ea typeface="宋体" panose="02010600030101010101" pitchFamily="2" charset="-122"/>
-            </a:endParaRPr>
-          </a:p>
-          <a:p>
-            <a:pPr algn="l"/>
-            <a:r>
-              <a:rPr lang="en-US" altLang="zh-CN" i="0" dirty="0">
-                <a:effectLst/>
-                <a:latin typeface="宋体" panose="02010600030101010101" pitchFamily="2" charset="-122"/>
-                <a:ea typeface="宋体" panose="02010600030101010101" pitchFamily="2" charset="-122"/>
-              </a:rPr>
-              <a:t>4</a:t>
-            </a:r>
-            <a:r>
-              <a:rPr lang="zh-CN" altLang="en-US" i="0" dirty="0">
-                <a:effectLst/>
-                <a:latin typeface="宋体" panose="02010600030101010101" pitchFamily="2" charset="-122"/>
-                <a:ea typeface="宋体" panose="02010600030101010101" pitchFamily="2" charset="-122"/>
-              </a:rPr>
-              <a:t>、在开发完一个功能时，就测试一下。看看有没有 </a:t>
-            </a:r>
-            <a:r>
-              <a:rPr lang="en-US" altLang="zh-CN" i="0" dirty="0">
-                <a:effectLst/>
-                <a:latin typeface="宋体" panose="02010600030101010101" pitchFamily="2" charset="-122"/>
-                <a:ea typeface="宋体" panose="02010600030101010101" pitchFamily="2" charset="-122"/>
-              </a:rPr>
-              <a:t>bug</a:t>
-            </a:r>
-            <a:r>
-              <a:rPr lang="zh-CN" altLang="en-US" i="0" dirty="0">
-                <a:effectLst/>
-                <a:latin typeface="宋体" panose="02010600030101010101" pitchFamily="2" charset="-122"/>
-                <a:ea typeface="宋体" panose="02010600030101010101" pitchFamily="2" charset="-122"/>
-              </a:rPr>
-              <a:t>，用户能不能顺利使用。有问题就改进，不断完善系统。</a:t>
-            </a:r>
-          </a:p>
-          <a:p>
-            <a:pPr algn="l"/>
-            <a:endParaRPr lang="en-US" altLang="zh-CN" i="0" dirty="0">
-              <a:effectLst/>
-              <a:latin typeface="宋体" panose="02010600030101010101" pitchFamily="2" charset="-122"/>
-              <a:ea typeface="宋体" panose="02010600030101010101" pitchFamily="2" charset="-122"/>
-            </a:endParaRPr>
-          </a:p>
-          <a:p>
-            <a:pPr algn="l"/>
-            <a:r>
-              <a:rPr lang="en-US" altLang="zh-CN" i="0" dirty="0">
-                <a:effectLst/>
-                <a:latin typeface="宋体" panose="02010600030101010101" pitchFamily="2" charset="-122"/>
-                <a:ea typeface="宋体" panose="02010600030101010101" pitchFamily="2" charset="-122"/>
-              </a:rPr>
-              <a:t>5</a:t>
-            </a:r>
-            <a:r>
-              <a:rPr lang="zh-CN" altLang="en-US" i="0" dirty="0">
-                <a:effectLst/>
-                <a:latin typeface="宋体" panose="02010600030101010101" pitchFamily="2" charset="-122"/>
-                <a:ea typeface="宋体" panose="02010600030101010101" pitchFamily="2" charset="-122"/>
-              </a:rPr>
-              <a:t>、在基本功能实现完成之后，就开始着手一些进阶的需求，保证资金流动的安全和系统的稳定。</a:t>
-            </a:r>
-          </a:p>
-          <a:p>
+              <a:t>                                      </a:t>
+            </a:r>
             <a:endParaRPr lang="zh-CN" altLang="en-US" dirty="0"/>
           </a:p>
         </p:txBody>
       </p:sp>
+      <p:sp>
+        <p:nvSpPr>
+          <p:cNvPr id="16" name="流程图: 过程 15">
+            <a:extLst>
+              <a:ext uri="{FF2B5EF4-FFF2-40B4-BE49-F238E27FC236}">
+                <a16:creationId xmlns:a16="http://schemas.microsoft.com/office/drawing/2014/main" id="{566EC4DD-2E8A-8D75-E949-54D936BDD6A4}"/>
+              </a:ext>
+            </a:extLst>
+          </p:cNvPr>
+          <p:cNvSpPr/>
+          <p:nvPr/>
+        </p:nvSpPr>
+        <p:spPr>
+          <a:xfrm>
+            <a:off x="3485310" y="1522622"/>
+            <a:ext cx="1192306" cy="582706"/>
+          </a:xfrm>
+          <a:prstGeom prst="flowChartProcess">
+            <a:avLst/>
+          </a:prstGeom>
+        </p:spPr>
+        <p:style>
+          <a:lnRef idx="2">
+            <a:schemeClr val="dk1"/>
+          </a:lnRef>
+          <a:fillRef idx="1">
+            <a:schemeClr val="lt1"/>
+          </a:fillRef>
+          <a:effectRef idx="0">
+            <a:schemeClr val="dk1"/>
+          </a:effectRef>
+          <a:fontRef idx="minor">
+            <a:schemeClr val="dk1"/>
+          </a:fontRef>
+        </p:style>
+        <p:txBody>
+          <a:bodyPr rtlCol="0" anchor="ctr"/>
+          <a:lstStyle/>
+          <a:p>
+            <a:pPr algn="ctr"/>
+            <a:r>
+              <a:rPr lang="zh-CN" altLang="en-US" dirty="0"/>
+              <a:t>功能分析</a:t>
+            </a:r>
+          </a:p>
+        </p:txBody>
+      </p:sp>
+      <p:sp>
+        <p:nvSpPr>
+          <p:cNvPr id="17" name="流程图: 过程 16">
+            <a:extLst>
+              <a:ext uri="{FF2B5EF4-FFF2-40B4-BE49-F238E27FC236}">
+                <a16:creationId xmlns:a16="http://schemas.microsoft.com/office/drawing/2014/main" id="{87125D27-98B9-258B-AB75-C06CF4E428AF}"/>
+              </a:ext>
+            </a:extLst>
+          </p:cNvPr>
+          <p:cNvSpPr/>
+          <p:nvPr/>
+        </p:nvSpPr>
+        <p:spPr>
+          <a:xfrm>
+            <a:off x="3485310" y="2392199"/>
+            <a:ext cx="1192306" cy="582706"/>
+          </a:xfrm>
+          <a:prstGeom prst="flowChartProcess">
+            <a:avLst/>
+          </a:prstGeom>
+        </p:spPr>
+        <p:style>
+          <a:lnRef idx="2">
+            <a:schemeClr val="dk1"/>
+          </a:lnRef>
+          <a:fillRef idx="1">
+            <a:schemeClr val="lt1"/>
+          </a:fillRef>
+          <a:effectRef idx="0">
+            <a:schemeClr val="dk1"/>
+          </a:effectRef>
+          <a:fontRef idx="minor">
+            <a:schemeClr val="dk1"/>
+          </a:fontRef>
+        </p:style>
+        <p:txBody>
+          <a:bodyPr rtlCol="0" anchor="ctr"/>
+          <a:lstStyle/>
+          <a:p>
+            <a:pPr algn="ctr"/>
+            <a:r>
+              <a:rPr lang="zh-CN" altLang="en-US" dirty="0"/>
+              <a:t>数据库设计</a:t>
+            </a:r>
+          </a:p>
+        </p:txBody>
+      </p:sp>
+      <p:sp>
+        <p:nvSpPr>
+          <p:cNvPr id="18" name="流程图: 过程 17">
+            <a:extLst>
+              <a:ext uri="{FF2B5EF4-FFF2-40B4-BE49-F238E27FC236}">
+                <a16:creationId xmlns:a16="http://schemas.microsoft.com/office/drawing/2014/main" id="{ACDDF693-0C38-C571-E6DE-B6F4A0646B27}"/>
+              </a:ext>
+            </a:extLst>
+          </p:cNvPr>
+          <p:cNvSpPr/>
+          <p:nvPr/>
+        </p:nvSpPr>
+        <p:spPr>
+          <a:xfrm>
+            <a:off x="3485310" y="3261776"/>
+            <a:ext cx="1192306" cy="582706"/>
+          </a:xfrm>
+          <a:prstGeom prst="flowChartProcess">
+            <a:avLst/>
+          </a:prstGeom>
+        </p:spPr>
+        <p:style>
+          <a:lnRef idx="2">
+            <a:schemeClr val="dk1"/>
+          </a:lnRef>
+          <a:fillRef idx="1">
+            <a:schemeClr val="lt1"/>
+          </a:fillRef>
+          <a:effectRef idx="0">
+            <a:schemeClr val="dk1"/>
+          </a:effectRef>
+          <a:fontRef idx="minor">
+            <a:schemeClr val="dk1"/>
+          </a:fontRef>
+        </p:style>
+        <p:txBody>
+          <a:bodyPr rtlCol="0" anchor="ctr"/>
+          <a:lstStyle/>
+          <a:p>
+            <a:pPr algn="ctr"/>
+            <a:r>
+              <a:rPr lang="zh-CN" altLang="en-US" dirty="0"/>
+              <a:t>规划开发计划</a:t>
+            </a:r>
+          </a:p>
+        </p:txBody>
+      </p:sp>
+      <p:sp>
+        <p:nvSpPr>
+          <p:cNvPr id="19" name="流程图: 过程 18">
+            <a:extLst>
+              <a:ext uri="{FF2B5EF4-FFF2-40B4-BE49-F238E27FC236}">
+                <a16:creationId xmlns:a16="http://schemas.microsoft.com/office/drawing/2014/main" id="{B9041674-33DE-4E9E-782E-A8F707F3734F}"/>
+              </a:ext>
+            </a:extLst>
+          </p:cNvPr>
+          <p:cNvSpPr/>
+          <p:nvPr/>
+        </p:nvSpPr>
+        <p:spPr>
+          <a:xfrm>
+            <a:off x="2293004" y="4131353"/>
+            <a:ext cx="1192306" cy="582706"/>
+          </a:xfrm>
+          <a:prstGeom prst="flowChartProcess">
+            <a:avLst/>
+          </a:prstGeom>
+        </p:spPr>
+        <p:style>
+          <a:lnRef idx="2">
+            <a:schemeClr val="dk1"/>
+          </a:lnRef>
+          <a:fillRef idx="1">
+            <a:schemeClr val="lt1"/>
+          </a:fillRef>
+          <a:effectRef idx="0">
+            <a:schemeClr val="dk1"/>
+          </a:effectRef>
+          <a:fontRef idx="minor">
+            <a:schemeClr val="dk1"/>
+          </a:fontRef>
+        </p:style>
+        <p:txBody>
+          <a:bodyPr rtlCol="0" anchor="ctr"/>
+          <a:lstStyle/>
+          <a:p>
+            <a:pPr algn="ctr"/>
+            <a:r>
+              <a:rPr lang="zh-CN" altLang="en-US" dirty="0"/>
+              <a:t>逐步实现基本功能</a:t>
+            </a:r>
+          </a:p>
+        </p:txBody>
+      </p:sp>
+      <p:sp>
+        <p:nvSpPr>
+          <p:cNvPr id="23" name="流程图: 过程 22">
+            <a:extLst>
+              <a:ext uri="{FF2B5EF4-FFF2-40B4-BE49-F238E27FC236}">
+                <a16:creationId xmlns:a16="http://schemas.microsoft.com/office/drawing/2014/main" id="{E4110CF0-D197-E28C-95D8-4B89D4A19918}"/>
+              </a:ext>
+            </a:extLst>
+          </p:cNvPr>
+          <p:cNvSpPr/>
+          <p:nvPr/>
+        </p:nvSpPr>
+        <p:spPr>
+          <a:xfrm>
+            <a:off x="4677616" y="4131353"/>
+            <a:ext cx="1192306" cy="582706"/>
+          </a:xfrm>
+          <a:prstGeom prst="flowChartProcess">
+            <a:avLst/>
+          </a:prstGeom>
+        </p:spPr>
+        <p:style>
+          <a:lnRef idx="2">
+            <a:schemeClr val="dk1"/>
+          </a:lnRef>
+          <a:fillRef idx="1">
+            <a:schemeClr val="lt1"/>
+          </a:fillRef>
+          <a:effectRef idx="0">
+            <a:schemeClr val="dk1"/>
+          </a:effectRef>
+          <a:fontRef idx="minor">
+            <a:schemeClr val="dk1"/>
+          </a:fontRef>
+        </p:style>
+        <p:txBody>
+          <a:bodyPr rtlCol="0" anchor="ctr"/>
+          <a:lstStyle/>
+          <a:p>
+            <a:pPr algn="ctr"/>
+            <a:r>
+              <a:rPr lang="zh-CN" altLang="en-US" dirty="0"/>
+              <a:t>测试修复</a:t>
+            </a:r>
+          </a:p>
+        </p:txBody>
+      </p:sp>
+      <p:sp>
+        <p:nvSpPr>
+          <p:cNvPr id="24" name="流程图: 过程 23">
+            <a:extLst>
+              <a:ext uri="{FF2B5EF4-FFF2-40B4-BE49-F238E27FC236}">
+                <a16:creationId xmlns:a16="http://schemas.microsoft.com/office/drawing/2014/main" id="{6C81652D-D3B0-4A98-3972-2A9D035F92ED}"/>
+              </a:ext>
+            </a:extLst>
+          </p:cNvPr>
+          <p:cNvSpPr/>
+          <p:nvPr/>
+        </p:nvSpPr>
+        <p:spPr>
+          <a:xfrm>
+            <a:off x="3485310" y="4999555"/>
+            <a:ext cx="1192306" cy="582706"/>
+          </a:xfrm>
+          <a:prstGeom prst="flowChartProcess">
+            <a:avLst/>
+          </a:prstGeom>
+        </p:spPr>
+        <p:style>
+          <a:lnRef idx="2">
+            <a:schemeClr val="dk1"/>
+          </a:lnRef>
+          <a:fillRef idx="1">
+            <a:schemeClr val="lt1"/>
+          </a:fillRef>
+          <a:effectRef idx="0">
+            <a:schemeClr val="dk1"/>
+          </a:effectRef>
+          <a:fontRef idx="minor">
+            <a:schemeClr val="dk1"/>
+          </a:fontRef>
+        </p:style>
+        <p:txBody>
+          <a:bodyPr rtlCol="0" anchor="ctr"/>
+          <a:lstStyle/>
+          <a:p>
+            <a:pPr algn="ctr"/>
+            <a:r>
+              <a:rPr lang="zh-CN" altLang="en-US" dirty="0"/>
+              <a:t>进阶需求</a:t>
+            </a:r>
+          </a:p>
+        </p:txBody>
+      </p:sp>
+      <p:sp>
+        <p:nvSpPr>
+          <p:cNvPr id="25" name="流程图: 过程 24">
+            <a:extLst>
+              <a:ext uri="{FF2B5EF4-FFF2-40B4-BE49-F238E27FC236}">
+                <a16:creationId xmlns:a16="http://schemas.microsoft.com/office/drawing/2014/main" id="{DEBC79E5-42BB-989B-AEC8-86D24B7C27C0}"/>
+              </a:ext>
+            </a:extLst>
+          </p:cNvPr>
+          <p:cNvSpPr/>
+          <p:nvPr/>
+        </p:nvSpPr>
+        <p:spPr>
+          <a:xfrm>
+            <a:off x="3485310" y="5869132"/>
+            <a:ext cx="1192306" cy="582706"/>
+          </a:xfrm>
+          <a:prstGeom prst="flowChartProcess">
+            <a:avLst/>
+          </a:prstGeom>
+        </p:spPr>
+        <p:style>
+          <a:lnRef idx="2">
+            <a:schemeClr val="dk1"/>
+          </a:lnRef>
+          <a:fillRef idx="1">
+            <a:schemeClr val="lt1"/>
+          </a:fillRef>
+          <a:effectRef idx="0">
+            <a:schemeClr val="dk1"/>
+          </a:effectRef>
+          <a:fontRef idx="minor">
+            <a:schemeClr val="dk1"/>
+          </a:fontRef>
+        </p:style>
+        <p:txBody>
+          <a:bodyPr rtlCol="0" anchor="ctr"/>
+          <a:lstStyle/>
+          <a:p>
+            <a:pPr algn="ctr"/>
+            <a:r>
+              <a:rPr lang="zh-CN" altLang="en-US" dirty="0"/>
+              <a:t>安全性保障</a:t>
+            </a:r>
+          </a:p>
+        </p:txBody>
+      </p:sp>
+      <p:cxnSp>
+        <p:nvCxnSpPr>
+          <p:cNvPr id="27" name="直接箭头连接符 26">
+            <a:extLst>
+              <a:ext uri="{FF2B5EF4-FFF2-40B4-BE49-F238E27FC236}">
+                <a16:creationId xmlns:a16="http://schemas.microsoft.com/office/drawing/2014/main" id="{2425732D-6F75-C937-16A9-864F95BF23BD}"/>
+              </a:ext>
+            </a:extLst>
+          </p:cNvPr>
+          <p:cNvCxnSpPr>
+            <a:stCxn id="16" idx="2"/>
+            <a:endCxn id="17" idx="0"/>
+          </p:cNvCxnSpPr>
+          <p:nvPr/>
+        </p:nvCxnSpPr>
+        <p:spPr>
+          <a:xfrm>
+            <a:off x="4081463" y="2105328"/>
+            <a:ext cx="0" cy="286871"/>
+          </a:xfrm>
+          <a:prstGeom prst="straightConnector1">
+            <a:avLst/>
+          </a:prstGeom>
+          <a:ln>
+            <a:tailEnd type="triangle"/>
+          </a:ln>
+        </p:spPr>
+        <p:style>
+          <a:lnRef idx="1">
+            <a:schemeClr val="dk1"/>
+          </a:lnRef>
+          <a:fillRef idx="0">
+            <a:schemeClr val="dk1"/>
+          </a:fillRef>
+          <a:effectRef idx="0">
+            <a:schemeClr val="dk1"/>
+          </a:effectRef>
+          <a:fontRef idx="minor">
+            <a:schemeClr val="tx1"/>
+          </a:fontRef>
+        </p:style>
+      </p:cxnSp>
+      <p:cxnSp>
+        <p:nvCxnSpPr>
+          <p:cNvPr id="29" name="直接箭头连接符 28">
+            <a:extLst>
+              <a:ext uri="{FF2B5EF4-FFF2-40B4-BE49-F238E27FC236}">
+                <a16:creationId xmlns:a16="http://schemas.microsoft.com/office/drawing/2014/main" id="{15E80390-97DB-23EE-81B4-DF04CD704150}"/>
+              </a:ext>
+            </a:extLst>
+          </p:cNvPr>
+          <p:cNvCxnSpPr>
+            <a:stCxn id="17" idx="2"/>
+            <a:endCxn id="18" idx="0"/>
+          </p:cNvCxnSpPr>
+          <p:nvPr/>
+        </p:nvCxnSpPr>
+        <p:spPr>
+          <a:xfrm>
+            <a:off x="4081463" y="2974905"/>
+            <a:ext cx="0" cy="286871"/>
+          </a:xfrm>
+          <a:prstGeom prst="straightConnector1">
+            <a:avLst/>
+          </a:prstGeom>
+          <a:ln>
+            <a:tailEnd type="triangle"/>
+          </a:ln>
+        </p:spPr>
+        <p:style>
+          <a:lnRef idx="1">
+            <a:schemeClr val="dk1"/>
+          </a:lnRef>
+          <a:fillRef idx="0">
+            <a:schemeClr val="dk1"/>
+          </a:fillRef>
+          <a:effectRef idx="0">
+            <a:schemeClr val="dk1"/>
+          </a:effectRef>
+          <a:fontRef idx="minor">
+            <a:schemeClr val="tx1"/>
+          </a:fontRef>
+        </p:style>
+      </p:cxnSp>
+      <p:cxnSp>
+        <p:nvCxnSpPr>
+          <p:cNvPr id="31" name="连接符: 肘形 30">
+            <a:extLst>
+              <a:ext uri="{FF2B5EF4-FFF2-40B4-BE49-F238E27FC236}">
+                <a16:creationId xmlns:a16="http://schemas.microsoft.com/office/drawing/2014/main" id="{B54A815D-5464-9939-2593-CE999AA05BE4}"/>
+              </a:ext>
+            </a:extLst>
+          </p:cNvPr>
+          <p:cNvCxnSpPr>
+            <a:stCxn id="18" idx="2"/>
+            <a:endCxn id="19" idx="0"/>
+          </p:cNvCxnSpPr>
+          <p:nvPr/>
+        </p:nvCxnSpPr>
+        <p:spPr>
+          <a:xfrm rot="5400000">
+            <a:off x="3341875" y="3391764"/>
+            <a:ext cx="286871" cy="1192306"/>
+          </a:xfrm>
+          <a:prstGeom prst="bentConnector3">
+            <a:avLst/>
+          </a:prstGeom>
+          <a:ln>
+            <a:tailEnd type="triangle"/>
+          </a:ln>
+        </p:spPr>
+        <p:style>
+          <a:lnRef idx="1">
+            <a:schemeClr val="dk1"/>
+          </a:lnRef>
+          <a:fillRef idx="0">
+            <a:schemeClr val="dk1"/>
+          </a:fillRef>
+          <a:effectRef idx="0">
+            <a:schemeClr val="dk1"/>
+          </a:effectRef>
+          <a:fontRef idx="minor">
+            <a:schemeClr val="tx1"/>
+          </a:fontRef>
+        </p:style>
+      </p:cxnSp>
+      <p:cxnSp>
+        <p:nvCxnSpPr>
+          <p:cNvPr id="33" name="连接符: 肘形 32">
+            <a:extLst>
+              <a:ext uri="{FF2B5EF4-FFF2-40B4-BE49-F238E27FC236}">
+                <a16:creationId xmlns:a16="http://schemas.microsoft.com/office/drawing/2014/main" id="{DB17A950-373E-9D7D-7B3D-07F6A645E4A4}"/>
+              </a:ext>
+            </a:extLst>
+          </p:cNvPr>
+          <p:cNvCxnSpPr>
+            <a:stCxn id="18" idx="2"/>
+            <a:endCxn id="23" idx="0"/>
+          </p:cNvCxnSpPr>
+          <p:nvPr/>
+        </p:nvCxnSpPr>
+        <p:spPr>
+          <a:xfrm rot="16200000" flipH="1">
+            <a:off x="4534181" y="3391764"/>
+            <a:ext cx="286871" cy="1192306"/>
+          </a:xfrm>
+          <a:prstGeom prst="bentConnector3">
+            <a:avLst/>
+          </a:prstGeom>
+          <a:ln>
+            <a:tailEnd type="triangle"/>
+          </a:ln>
+        </p:spPr>
+        <p:style>
+          <a:lnRef idx="1">
+            <a:schemeClr val="dk1"/>
+          </a:lnRef>
+          <a:fillRef idx="0">
+            <a:schemeClr val="dk1"/>
+          </a:fillRef>
+          <a:effectRef idx="0">
+            <a:schemeClr val="dk1"/>
+          </a:effectRef>
+          <a:fontRef idx="minor">
+            <a:schemeClr val="tx1"/>
+          </a:fontRef>
+        </p:style>
+      </p:cxnSp>
+      <p:cxnSp>
+        <p:nvCxnSpPr>
+          <p:cNvPr id="35" name="连接符: 肘形 34">
+            <a:extLst>
+              <a:ext uri="{FF2B5EF4-FFF2-40B4-BE49-F238E27FC236}">
+                <a16:creationId xmlns:a16="http://schemas.microsoft.com/office/drawing/2014/main" id="{C3906C47-2ECB-EB26-8AED-5044F7072A96}"/>
+              </a:ext>
+            </a:extLst>
+          </p:cNvPr>
+          <p:cNvCxnSpPr>
+            <a:stCxn id="19" idx="2"/>
+            <a:endCxn id="24" idx="0"/>
+          </p:cNvCxnSpPr>
+          <p:nvPr/>
+        </p:nvCxnSpPr>
+        <p:spPr>
+          <a:xfrm rot="16200000" flipH="1">
+            <a:off x="3342562" y="4260654"/>
+            <a:ext cx="285496" cy="1192306"/>
+          </a:xfrm>
+          <a:prstGeom prst="bentConnector3">
+            <a:avLst/>
+          </a:prstGeom>
+          <a:ln>
+            <a:tailEnd type="triangle"/>
+          </a:ln>
+        </p:spPr>
+        <p:style>
+          <a:lnRef idx="1">
+            <a:schemeClr val="dk1"/>
+          </a:lnRef>
+          <a:fillRef idx="0">
+            <a:schemeClr val="dk1"/>
+          </a:fillRef>
+          <a:effectRef idx="0">
+            <a:schemeClr val="dk1"/>
+          </a:effectRef>
+          <a:fontRef idx="minor">
+            <a:schemeClr val="tx1"/>
+          </a:fontRef>
+        </p:style>
+      </p:cxnSp>
+      <p:cxnSp>
+        <p:nvCxnSpPr>
+          <p:cNvPr id="37" name="连接符: 肘形 36">
+            <a:extLst>
+              <a:ext uri="{FF2B5EF4-FFF2-40B4-BE49-F238E27FC236}">
+                <a16:creationId xmlns:a16="http://schemas.microsoft.com/office/drawing/2014/main" id="{62361413-4E7D-BDBF-E1B9-9EE2D755FEC7}"/>
+              </a:ext>
+            </a:extLst>
+          </p:cNvPr>
+          <p:cNvCxnSpPr>
+            <a:stCxn id="23" idx="2"/>
+            <a:endCxn id="24" idx="0"/>
+          </p:cNvCxnSpPr>
+          <p:nvPr/>
+        </p:nvCxnSpPr>
+        <p:spPr>
+          <a:xfrm rot="5400000">
+            <a:off x="4534868" y="4260654"/>
+            <a:ext cx="285496" cy="1192306"/>
+          </a:xfrm>
+          <a:prstGeom prst="bentConnector3">
+            <a:avLst/>
+          </a:prstGeom>
+          <a:ln>
+            <a:tailEnd type="triangle"/>
+          </a:ln>
+        </p:spPr>
+        <p:style>
+          <a:lnRef idx="1">
+            <a:schemeClr val="dk1"/>
+          </a:lnRef>
+          <a:fillRef idx="0">
+            <a:schemeClr val="dk1"/>
+          </a:fillRef>
+          <a:effectRef idx="0">
+            <a:schemeClr val="dk1"/>
+          </a:effectRef>
+          <a:fontRef idx="minor">
+            <a:schemeClr val="tx1"/>
+          </a:fontRef>
+        </p:style>
+      </p:cxnSp>
+      <p:cxnSp>
+        <p:nvCxnSpPr>
+          <p:cNvPr id="39" name="直接箭头连接符 38">
+            <a:extLst>
+              <a:ext uri="{FF2B5EF4-FFF2-40B4-BE49-F238E27FC236}">
+                <a16:creationId xmlns:a16="http://schemas.microsoft.com/office/drawing/2014/main" id="{DFC13681-F3C2-0CB2-C146-83B7C630DDAC}"/>
+              </a:ext>
+            </a:extLst>
+          </p:cNvPr>
+          <p:cNvCxnSpPr>
+            <a:stCxn id="24" idx="2"/>
+            <a:endCxn id="25" idx="0"/>
+          </p:cNvCxnSpPr>
+          <p:nvPr/>
+        </p:nvCxnSpPr>
+        <p:spPr>
+          <a:xfrm>
+            <a:off x="4081463" y="5582261"/>
+            <a:ext cx="0" cy="286871"/>
+          </a:xfrm>
+          <a:prstGeom prst="straightConnector1">
+            <a:avLst/>
+          </a:prstGeom>
+          <a:ln>
+            <a:tailEnd type="triangle"/>
+          </a:ln>
+        </p:spPr>
+        <p:style>
+          <a:lnRef idx="1">
+            <a:schemeClr val="dk1"/>
+          </a:lnRef>
+          <a:fillRef idx="0">
+            <a:schemeClr val="dk1"/>
+          </a:fillRef>
+          <a:effectRef idx="0">
+            <a:schemeClr val="dk1"/>
+          </a:effectRef>
+          <a:fontRef idx="minor">
+            <a:schemeClr val="tx1"/>
+          </a:fontRef>
+        </p:style>
+      </p:cxnSp>
     </p:spTree>
     <p:extLst>
       <p:ext uri="{BB962C8B-B14F-4D97-AF65-F5344CB8AC3E}">
@@ -13571,13 +14301,13 @@
           <p:nvPr/>
         </p:nvPicPr>
         <p:blipFill>
-          <a:blip r:embed="rId2">
+          <a:blip r:embed="rId4">
             <a:extLst>
               <a:ext uri="{28A0092B-C50C-407E-A947-70E740481C1C}">
                 <a14:useLocalDpi xmlns:a14="http://schemas.microsoft.com/office/drawing/2010/main" val="0"/>
               </a:ext>
               <a:ext uri="{96DAC541-7B7A-43D3-8B79-37D633B846F1}">
-                <asvg:svgBlip xmlns:asvg="http://schemas.microsoft.com/office/drawing/2016/SVG/main" r:embed="rId3"/>
+                <asvg:svgBlip xmlns:asvg="http://schemas.microsoft.com/office/drawing/2016/SVG/main" r:embed="rId5"/>
               </a:ext>
             </a:extLst>
           </a:blip>
@@ -13878,7 +14608,7 @@
         <p:spPr>
           <a:xfrm>
             <a:off x="98615" y="929494"/>
-            <a:ext cx="9800783" cy="3139321"/>
+            <a:ext cx="9800783" cy="1477328"/>
           </a:xfrm>
           <a:prstGeom prst="rect">
             <a:avLst/>
@@ -13893,185 +14623,91 @@
           <a:p>
             <a:r>
               <a:rPr lang="en-US" altLang="zh-CN" dirty="0"/>
+              <a:t>        </a:t>
+            </a:r>
+            <a:r>
+              <a:rPr lang="en-US" altLang="zh-CN" b="1" dirty="0"/>
               <a:t>1</a:t>
             </a:r>
             <a:r>
+              <a:rPr lang="zh-CN" altLang="en-US" b="1" dirty="0"/>
+              <a:t>、</a:t>
+            </a:r>
+            <a:r>
               <a:rPr lang="zh-CN" altLang="en-US" dirty="0"/>
-              <a:t>、用户登录时需要输出验证码，保证用户的账户安全</a:t>
+              <a:t>用户登录时需要输入验证码，保证用户的账户安全</a:t>
             </a:r>
             <a:endParaRPr lang="en-US" altLang="zh-CN" dirty="0"/>
           </a:p>
           <a:p>
+            <a:r>
+              <a:rPr lang="en-US" altLang="zh-CN" dirty="0"/>
+              <a:t>              </a:t>
+            </a:r>
+          </a:p>
+          <a:p>
+            <a:r>
+              <a:rPr lang="en-US" altLang="zh-CN" dirty="0"/>
+              <a:t>              </a:t>
+            </a:r>
+            <a:r>
+              <a:rPr lang="zh-CN" altLang="en-US" dirty="0"/>
+              <a:t>验证码由数字和大小写字母随机组成，有随机的颜色，还会随机生成干扰线段，</a:t>
+            </a:r>
             <a:endParaRPr lang="en-US" altLang="zh-CN" dirty="0"/>
           </a:p>
           <a:p>
             <a:r>
+              <a:rPr lang="zh-CN" altLang="en-US" dirty="0"/>
+              <a:t>       </a:t>
+            </a:r>
+            <a:endParaRPr lang="en-US" altLang="zh-CN" dirty="0"/>
+          </a:p>
+          <a:p>
+            <a:r>
               <a:rPr lang="en-US" altLang="zh-CN" dirty="0"/>
-              <a:t>       </a:t>
+              <a:t>              </a:t>
             </a:r>
             <a:r>
               <a:rPr lang="zh-CN" altLang="en-US" dirty="0"/>
-              <a:t>此验证码生成器的响应类型为图片，先生成指定长度的字符串，字符串中包括大小写字母和</a:t>
+              <a:t>用户点击验证码会进行实时刷新。</a:t>
             </a:r>
             <a:endParaRPr lang="en-US" altLang="zh-CN" dirty="0"/>
-          </a:p>
-          <a:p>
-            <a:endParaRPr lang="en-US" altLang="zh-CN" dirty="0"/>
-          </a:p>
-          <a:p>
-            <a:r>
-              <a:rPr lang="zh-CN" altLang="en-US" dirty="0"/>
-              <a:t>数字，再将其保存在会话中。遍历生成的随机字符串，</a:t>
-            </a:r>
-            <a:r>
-              <a:rPr lang="zh-CN" altLang="en-US" b="0" i="0" dirty="0">
-                <a:solidFill>
-                  <a:srgbClr val="0D0D0D"/>
-                </a:solidFill>
-                <a:effectLst/>
-                <a:highlight>
-                  <a:srgbClr val="FFFFFF"/>
-                </a:highlight>
-                <a:latin typeface="Söhne"/>
-              </a:rPr>
-              <a:t>随机设置字符的颜色，并在图片上绘制每</a:t>
-            </a:r>
-            <a:endParaRPr lang="en-US" altLang="zh-CN" b="0" i="0" dirty="0">
-              <a:solidFill>
-                <a:srgbClr val="0D0D0D"/>
-              </a:solidFill>
-              <a:effectLst/>
-              <a:highlight>
-                <a:srgbClr val="FFFFFF"/>
-              </a:highlight>
-              <a:latin typeface="Söhne"/>
-            </a:endParaRPr>
-          </a:p>
-          <a:p>
-            <a:endParaRPr lang="en-US" altLang="zh-CN" dirty="0">
-              <a:solidFill>
-                <a:srgbClr val="0D0D0D"/>
-              </a:solidFill>
-              <a:highlight>
-                <a:srgbClr val="FFFFFF"/>
-              </a:highlight>
-              <a:latin typeface="Söhne"/>
-            </a:endParaRPr>
-          </a:p>
-          <a:p>
-            <a:r>
-              <a:rPr lang="zh-CN" altLang="en-US" b="0" i="0" dirty="0">
-                <a:solidFill>
-                  <a:srgbClr val="0D0D0D"/>
-                </a:solidFill>
-                <a:effectLst/>
-                <a:highlight>
-                  <a:srgbClr val="FFFFFF"/>
-                </a:highlight>
-                <a:latin typeface="Söhne"/>
-              </a:rPr>
-              <a:t>个字符。图片中也会随机生成若干条灰色的线段，增加图片的复杂度和干扰。最后，将图片输出</a:t>
-            </a:r>
-            <a:endParaRPr lang="en-US" altLang="zh-CN" b="0" i="0" dirty="0">
-              <a:solidFill>
-                <a:srgbClr val="0D0D0D"/>
-              </a:solidFill>
-              <a:effectLst/>
-              <a:highlight>
-                <a:srgbClr val="FFFFFF"/>
-              </a:highlight>
-              <a:latin typeface="Söhne"/>
-            </a:endParaRPr>
-          </a:p>
-          <a:p>
-            <a:endParaRPr lang="en-US" altLang="zh-CN" dirty="0">
-              <a:solidFill>
-                <a:srgbClr val="0D0D0D"/>
-              </a:solidFill>
-              <a:highlight>
-                <a:srgbClr val="FFFFFF"/>
-              </a:highlight>
-              <a:latin typeface="Söhne"/>
-            </a:endParaRPr>
-          </a:p>
-          <a:p>
-            <a:r>
-              <a:rPr lang="zh-CN" altLang="en-US" b="0" i="0" dirty="0">
-                <a:solidFill>
-                  <a:srgbClr val="0D0D0D"/>
-                </a:solidFill>
-                <a:effectLst/>
-                <a:highlight>
-                  <a:srgbClr val="FFFFFF"/>
-                </a:highlight>
-                <a:latin typeface="Söhne"/>
-              </a:rPr>
-              <a:t>到客户端，用户点击验证码图片时，验证码会进行随机更新，字母区分大小写，只有用户输入正</a:t>
-            </a:r>
-            <a:endParaRPr lang="en-US" altLang="zh-CN" b="0" i="0" dirty="0">
-              <a:solidFill>
-                <a:srgbClr val="0D0D0D"/>
-              </a:solidFill>
-              <a:effectLst/>
-              <a:highlight>
-                <a:srgbClr val="FFFFFF"/>
-              </a:highlight>
-              <a:latin typeface="Söhne"/>
-            </a:endParaRPr>
-          </a:p>
-          <a:p>
-            <a:endParaRPr lang="en-US" altLang="zh-CN" dirty="0">
-              <a:solidFill>
-                <a:srgbClr val="0D0D0D"/>
-              </a:solidFill>
-              <a:highlight>
-                <a:srgbClr val="FFFFFF"/>
-              </a:highlight>
-              <a:latin typeface="Söhne"/>
-            </a:endParaRPr>
-          </a:p>
-          <a:p>
-            <a:r>
-              <a:rPr lang="zh-CN" altLang="en-US" b="0" i="0" dirty="0">
-                <a:solidFill>
-                  <a:srgbClr val="0D0D0D"/>
-                </a:solidFill>
-                <a:effectLst/>
-                <a:highlight>
-                  <a:srgbClr val="FFFFFF"/>
-                </a:highlight>
-                <a:latin typeface="Söhne"/>
-              </a:rPr>
-              <a:t>确的验证码，才能登录成功。</a:t>
-            </a:r>
-            <a:endParaRPr lang="zh-CN" altLang="en-US" dirty="0"/>
           </a:p>
         </p:txBody>
       </p:sp>
       <p:pic>
         <p:nvPicPr>
-          <p:cNvPr id="15" name="图片 14">
-            <a:extLst>
-              <a:ext uri="{FF2B5EF4-FFF2-40B4-BE49-F238E27FC236}">
-                <a16:creationId xmlns:a16="http://schemas.microsoft.com/office/drawing/2014/main" id="{44BAECF0-9FE6-893C-468C-A5F5ED30B210}"/>
+          <p:cNvPr id="17" name="QQ录屏20240504172842">
+            <a:hlinkClick r:id="" action="ppaction://media"/>
+            <a:extLst>
+              <a:ext uri="{FF2B5EF4-FFF2-40B4-BE49-F238E27FC236}">
+                <a16:creationId xmlns:a16="http://schemas.microsoft.com/office/drawing/2014/main" id="{C722447C-C54F-ABD2-7ADE-ECFCC498D960}"/>
               </a:ext>
             </a:extLst>
           </p:cNvPr>
           <p:cNvPicPr>
             <a:picLocks noChangeAspect="1"/>
           </p:cNvPicPr>
-          <p:nvPr/>
+          <p:nvPr>
+            <a:videoFile r:link="rId2"/>
+            <p:extLst>
+              <p:ext uri="{DAA4B4D4-6D71-4841-9C94-3DE7FCFB9230}">
+                <p14:media xmlns:p14="http://schemas.microsoft.com/office/powerpoint/2010/main" r:embed="rId1"/>
+              </p:ext>
+            </p:extLst>
+          </p:nvPr>
         </p:nvPicPr>
         <p:blipFill>
-          <a:blip r:embed="rId4"/>
+          <a:blip r:embed="rId6"/>
           <a:stretch>
             <a:fillRect/>
           </a:stretch>
         </p:blipFill>
         <p:spPr>
           <a:xfrm>
-            <a:off x="1811992" y="4324947"/>
-            <a:ext cx="6057900" cy="1866900"/>
+            <a:off x="2297392" y="2826455"/>
+            <a:ext cx="4541838" cy="1845333"/>
           </a:xfrm>
           <a:prstGeom prst="rect">
             <a:avLst/>
@@ -14088,6 +14724,141 @@
   <p:clrMapOvr>
     <a:masterClrMapping/>
   </p:clrMapOvr>
+  <p:timing>
+    <p:tnLst>
+      <p:par>
+        <p:cTn id="1" dur="indefinite" restart="never" nodeType="tmRoot">
+          <p:childTnLst>
+            <p:seq concurrent="1" nextAc="seek">
+              <p:cTn id="2" dur="indefinite" nodeType="mainSeq">
+                <p:childTnLst>
+                  <p:par>
+                    <p:cTn id="3" fill="hold">
+                      <p:stCondLst>
+                        <p:cond delay="indefinite"/>
+                      </p:stCondLst>
+                      <p:childTnLst>
+                        <p:par>
+                          <p:cTn id="4" fill="hold">
+                            <p:stCondLst>
+                              <p:cond delay="0"/>
+                            </p:stCondLst>
+                            <p:childTnLst>
+                              <p:par>
+                                <p:cTn id="5" presetID="1" presetClass="mediacall" presetSubtype="0" fill="hold" nodeType="clickEffect">
+                                  <p:stCondLst>
+                                    <p:cond delay="0"/>
+                                  </p:stCondLst>
+                                  <p:childTnLst>
+                                    <p:cmd type="call" cmd="playFrom(0.0)">
+                                      <p:cBhvr>
+                                        <p:cTn id="6" dur="4849" fill="hold"/>
+                                        <p:tgtEl>
+                                          <p:spTgt spid="17"/>
+                                        </p:tgtEl>
+                                      </p:cBhvr>
+                                    </p:cmd>
+                                  </p:childTnLst>
+                                </p:cTn>
+                              </p:par>
+                            </p:childTnLst>
+                          </p:cTn>
+                        </p:par>
+                      </p:childTnLst>
+                    </p:cTn>
+                  </p:par>
+                </p:childTnLst>
+              </p:cTn>
+              <p:prevCondLst>
+                <p:cond evt="onPrev" delay="0">
+                  <p:tgtEl>
+                    <p:sldTgt/>
+                  </p:tgtEl>
+                </p:cond>
+              </p:prevCondLst>
+              <p:nextCondLst>
+                <p:cond evt="onNext" delay="0">
+                  <p:tgtEl>
+                    <p:sldTgt/>
+                  </p:tgtEl>
+                </p:cond>
+              </p:nextCondLst>
+            </p:seq>
+            <p:video>
+              <p:cMediaNode vol="0">
+                <p:cTn id="7" fill="hold" display="0">
+                  <p:stCondLst>
+                    <p:cond delay="indefinite"/>
+                  </p:stCondLst>
+                </p:cTn>
+                <p:tgtEl>
+                  <p:spTgt spid="17"/>
+                </p:tgtEl>
+              </p:cMediaNode>
+            </p:video>
+            <p:seq concurrent="1" nextAc="seek">
+              <p:cTn id="8" restart="whenNotActive" fill="hold" evtFilter="cancelBubble" nodeType="interactiveSeq">
+                <p:stCondLst>
+                  <p:cond evt="onClick" delay="0">
+                    <p:tgtEl>
+                      <p:spTgt spid="17"/>
+                    </p:tgtEl>
+                  </p:cond>
+                </p:stCondLst>
+                <p:endSync evt="end" delay="0">
+                  <p:rtn val="all"/>
+                </p:endSync>
+                <p:childTnLst>
+                  <p:par>
+                    <p:cTn id="9" fill="hold">
+                      <p:stCondLst>
+                        <p:cond delay="0"/>
+                      </p:stCondLst>
+                      <p:childTnLst>
+                        <p:par>
+                          <p:cTn id="10" fill="hold">
+                            <p:stCondLst>
+                              <p:cond delay="0"/>
+                            </p:stCondLst>
+                            <p:childTnLst>
+                              <p:par>
+                                <p:cTn id="11" presetID="2" presetClass="mediacall" presetSubtype="0" fill="hold" nodeType="clickEffect">
+                                  <p:stCondLst>
+                                    <p:cond delay="0"/>
+                                  </p:stCondLst>
+                                  <p:childTnLst>
+                                    <p:cmd type="call" cmd="togglePause">
+                                      <p:cBhvr>
+                                        <p:cTn id="12" dur="1" fill="hold"/>
+                                        <p:tgtEl>
+                                          <p:spTgt spid="17"/>
+                                        </p:tgtEl>
+                                      </p:cBhvr>
+                                    </p:cmd>
+                                  </p:childTnLst>
+                                </p:cTn>
+                              </p:par>
+                            </p:childTnLst>
+                          </p:cTn>
+                        </p:par>
+                      </p:childTnLst>
+                    </p:cTn>
+                  </p:par>
+                </p:childTnLst>
+              </p:cTn>
+              <p:nextCondLst>
+                <p:cond evt="onClick" delay="0">
+                  <p:tgtEl>
+                    <p:spTgt spid="17"/>
+                  </p:tgtEl>
+                </p:cond>
+              </p:nextCondLst>
+            </p:seq>
+          </p:childTnLst>
+        </p:cTn>
+      </p:par>
+    </p:tnLst>
+  </p:timing>
 </p:sld>
 </file>
 
@@ -14518,7 +15289,7 @@
           <p:cNvPr id="5" name="文本框 4">
             <a:extLst>
               <a:ext uri="{FF2B5EF4-FFF2-40B4-BE49-F238E27FC236}">
-                <a16:creationId xmlns:a16="http://schemas.microsoft.com/office/drawing/2014/main" id="{FBB3A0F2-D5ED-FCF1-9AB1-6CFA6809F9D9}"/>
+                <a16:creationId xmlns:a16="http://schemas.microsoft.com/office/drawing/2014/main" id="{A7E7CED2-8561-7C65-A6EA-875F527A5C73}"/>
               </a:ext>
             </a:extLst>
           </p:cNvPr>
@@ -14527,8 +15298,8 @@
         </p:nvSpPr>
         <p:spPr>
           <a:xfrm>
-            <a:off x="59355" y="904342"/>
-            <a:ext cx="9942284" cy="2031325"/>
+            <a:off x="0" y="971526"/>
+            <a:ext cx="9942284" cy="1477328"/>
           </a:xfrm>
           <a:prstGeom prst="rect">
             <a:avLst/>
@@ -14543,19 +15314,19 @@
           <a:p>
             <a:r>
               <a:rPr lang="en-US" altLang="zh-CN" dirty="0"/>
+              <a:t>           </a:t>
+            </a:r>
+            <a:r>
+              <a:rPr lang="en-US" altLang="zh-CN" b="1" dirty="0"/>
               <a:t>2</a:t>
             </a:r>
             <a:r>
+              <a:rPr lang="zh-CN" altLang="en-US" b="1" dirty="0"/>
+              <a:t>、</a:t>
+            </a:r>
+            <a:r>
               <a:rPr lang="zh-CN" altLang="en-US" dirty="0"/>
-              <a:t>、使用了</a:t>
-            </a:r>
-            <a:r>
-              <a:rPr lang="en-US" altLang="zh-CN" dirty="0" err="1"/>
-              <a:t>lomback</a:t>
-            </a:r>
-            <a:r>
-              <a:rPr lang="zh-CN" altLang="en-US" dirty="0"/>
-              <a:t>日志实时监控系统运行状态，可以记录运行关键部分和异常情况</a:t>
+              <a:t>企业群组内有聊天室的功能。</a:t>
             </a:r>
             <a:endParaRPr lang="en-US" altLang="zh-CN" dirty="0"/>
           </a:p>
@@ -14564,31 +15335,7 @@
           </a:p>
           <a:p>
             <a:r>
-              <a:rPr lang="en-US" altLang="zh-CN" dirty="0"/>
-              <a:t>          </a:t>
-            </a:r>
-            <a:r>
-              <a:rPr lang="zh-CN" altLang="en-US" dirty="0"/>
-              <a:t>先通过</a:t>
-            </a:r>
-            <a:r>
-              <a:rPr lang="en-US" altLang="zh-CN" dirty="0"/>
-              <a:t>xml</a:t>
-            </a:r>
-            <a:r>
-              <a:rPr lang="zh-CN" altLang="en-US" dirty="0"/>
-              <a:t>配置文件配置日志的输出格式、输出路径等相关信息，再使用</a:t>
-            </a:r>
-            <a:r>
-              <a:rPr lang="en-US" altLang="zh-CN" dirty="0" err="1"/>
-              <a:t>lomback</a:t>
-            </a:r>
-            <a:r>
-              <a:rPr lang="zh-CN" altLang="en-US" dirty="0"/>
-              <a:t>注解</a:t>
-            </a:r>
-            <a:r>
-              <a:rPr lang="en-US" altLang="zh-CN" b="1" i="0" dirty="0">
+              <a:rPr lang="zh-CN" altLang="en-US" b="0" i="0" dirty="0">
                 <a:solidFill>
                   <a:srgbClr val="0D0D0D"/>
                 </a:solidFill>
@@ -14596,62 +15343,75 @@
                 <a:highlight>
                   <a:srgbClr val="FFFFFF"/>
                 </a:highlight>
-                <a:latin typeface="Söhne Mono"/>
+                <a:latin typeface="Söhne"/>
               </a:rPr>
-              <a:t>@Slf4j</a:t>
-            </a:r>
-          </a:p>
-          <a:p>
+              <a:t>                 这是一个基于 </a:t>
+            </a:r>
+            <a:r>
+              <a:rPr lang="en-US" altLang="zh-CN" b="0" i="0" dirty="0">
+                <a:solidFill>
+                  <a:srgbClr val="0D0D0D"/>
+                </a:solidFill>
+                <a:effectLst/>
+                <a:highlight>
+                  <a:srgbClr val="FFFFFF"/>
+                </a:highlight>
+                <a:latin typeface="Söhne"/>
+              </a:rPr>
+              <a:t>WebSocket </a:t>
+            </a:r>
+            <a:r>
+              <a:rPr lang="zh-CN" altLang="en-US" b="0" i="0" dirty="0">
+                <a:solidFill>
+                  <a:srgbClr val="0D0D0D"/>
+                </a:solidFill>
+                <a:effectLst/>
+                <a:highlight>
+                  <a:srgbClr val="FFFFFF"/>
+                </a:highlight>
+                <a:latin typeface="Söhne"/>
+              </a:rPr>
+              <a:t>的聊天室服务器</a:t>
+            </a:r>
+            <a:r>
+              <a:rPr lang="zh-CN" altLang="en-US" dirty="0">
+                <a:solidFill>
+                  <a:srgbClr val="0D0D0D"/>
+                </a:solidFill>
+                <a:highlight>
+                  <a:srgbClr val="FFFFFF"/>
+                </a:highlight>
+                <a:latin typeface="Söhne"/>
+              </a:rPr>
+              <a:t>，</a:t>
+            </a:r>
+            <a:r>
+              <a:rPr lang="zh-CN" altLang="en-US" dirty="0"/>
+              <a:t> ，同属于一个企业群组的用户</a:t>
+            </a:r>
             <a:endParaRPr lang="en-US" altLang="zh-CN" dirty="0"/>
           </a:p>
           <a:p>
+            <a:endParaRPr lang="en-US" altLang="zh-CN" dirty="0"/>
+          </a:p>
+          <a:p>
+            <a:r>
+              <a:rPr lang="en-US" altLang="zh-CN" dirty="0"/>
+              <a:t>              </a:t>
+            </a:r>
             <a:r>
               <a:rPr lang="zh-CN" altLang="en-US" dirty="0"/>
-              <a:t>自动生成以</a:t>
-            </a:r>
-            <a:r>
-              <a:rPr lang="en-US" altLang="zh-CN" dirty="0"/>
-              <a:t>log</a:t>
-            </a:r>
-            <a:r>
-              <a:rPr lang="zh-CN" altLang="en-US" dirty="0"/>
-              <a:t>命名的</a:t>
-            </a:r>
-            <a:r>
-              <a:rPr lang="en-US" altLang="zh-CN" dirty="0"/>
-              <a:t>Logger</a:t>
-            </a:r>
-            <a:r>
-              <a:rPr lang="zh-CN" altLang="en-US" dirty="0"/>
-              <a:t>对象，然后直接使用这个对象</a:t>
-            </a:r>
-            <a:r>
-              <a:rPr lang="en-US" altLang="zh-CN" dirty="0"/>
-              <a:t>,</a:t>
-            </a:r>
-            <a:r>
-              <a:rPr lang="zh-CN" altLang="en-US" dirty="0"/>
-              <a:t>调用其相关方法，在程序的关键地方，</a:t>
-            </a:r>
-            <a:endParaRPr lang="en-US" altLang="zh-CN" dirty="0"/>
-          </a:p>
-          <a:p>
-            <a:endParaRPr lang="en-US" altLang="zh-CN" dirty="0"/>
-          </a:p>
-          <a:p>
-            <a:r>
-              <a:rPr lang="zh-CN" altLang="en-US" dirty="0"/>
-              <a:t>实时记录系统运行状况和异常情况</a:t>
+              <a:t>可以在单独的聊天室内聊天。</a:t>
             </a:r>
           </a:p>
         </p:txBody>
       </p:sp>
       <p:pic>
         <p:nvPicPr>
-          <p:cNvPr id="15" name="图片 14">
-            <a:extLst>
-              <a:ext uri="{FF2B5EF4-FFF2-40B4-BE49-F238E27FC236}">
-                <a16:creationId xmlns:a16="http://schemas.microsoft.com/office/drawing/2014/main" id="{11A532FF-1FA0-94BD-DCDD-9810C87D63A6}"/>
+          <p:cNvPr id="13" name="图片 12">
+            <a:extLst>
+              <a:ext uri="{FF2B5EF4-FFF2-40B4-BE49-F238E27FC236}">
+                <a16:creationId xmlns:a16="http://schemas.microsoft.com/office/drawing/2014/main" id="{B1B9A871-BB9F-B088-7489-FD77099DEAB5}"/>
               </a:ext>
             </a:extLst>
           </p:cNvPr>
@@ -14668,8 +15428,38 @@
         </p:blipFill>
         <p:spPr>
           <a:xfrm>
-            <a:off x="231343" y="3146192"/>
-            <a:ext cx="9598309" cy="3130779"/>
+            <a:off x="608173" y="2642414"/>
+            <a:ext cx="3800978" cy="3638543"/>
+          </a:xfrm>
+          <a:prstGeom prst="rect">
+            <a:avLst/>
+          </a:prstGeom>
+        </p:spPr>
+      </p:pic>
+      <p:pic>
+        <p:nvPicPr>
+          <p:cNvPr id="15" name="图片 14">
+            <a:extLst>
+              <a:ext uri="{FF2B5EF4-FFF2-40B4-BE49-F238E27FC236}">
+                <a16:creationId xmlns:a16="http://schemas.microsoft.com/office/drawing/2014/main" id="{F305A9B0-2F8A-E3A7-C7CF-603EEC1F7ABD}"/>
+              </a:ext>
+            </a:extLst>
+          </p:cNvPr>
+          <p:cNvPicPr>
+            <a:picLocks noChangeAspect="1"/>
+          </p:cNvPicPr>
+          <p:nvPr/>
+        </p:nvPicPr>
+        <p:blipFill>
+          <a:blip r:embed="rId5"/>
+          <a:stretch>
+            <a:fillRect/>
+          </a:stretch>
+        </p:blipFill>
+        <p:spPr>
+          <a:xfrm>
+            <a:off x="4812925" y="2642414"/>
+            <a:ext cx="4106659" cy="3638543"/>
           </a:xfrm>
           <a:prstGeom prst="rect">
             <a:avLst/>
@@ -14679,7 +15469,7 @@
     </p:spTree>
     <p:extLst>
       <p:ext uri="{BB962C8B-B14F-4D97-AF65-F5344CB8AC3E}">
-        <p14:creationId xmlns:p14="http://schemas.microsoft.com/office/powerpoint/2010/main" val="3239341319"/>
+        <p14:creationId xmlns:p14="http://schemas.microsoft.com/office/powerpoint/2010/main" val="2136718367"/>
       </p:ext>
     </p:extLst>
   </p:cSld>
